--- a/An Introduction to HTML5 & CSS.pptx
+++ b/An Introduction to HTML5 & CSS.pptx
@@ -1,9 +1,12 @@
 
 <file path=ppt/presentation.xml><?xml version="1.0" encoding="utf-8"?>
-<p:presentation xmlns:a="http://schemas.openxmlformats.org/drawingml/2006/main" xmlns:r="http://schemas.openxmlformats.org/officeDocument/2006/relationships" xmlns:p="http://schemas.openxmlformats.org/presentationml/2006/main" autoCompressPictures="0">
+<p:presentation xmlns:a="http://schemas.openxmlformats.org/drawingml/2006/main" xmlns:r="http://schemas.openxmlformats.org/officeDocument/2006/relationships" xmlns:p="http://schemas.openxmlformats.org/presentationml/2006/main" showSpecialPlsOnTitleSld="0" autoCompressPictures="0">
   <p:sldMasterIdLst>
     <p:sldMasterId id="2147483648" r:id="rId1"/>
   </p:sldMasterIdLst>
+  <p:notesMasterIdLst>
+    <p:notesMasterId r:id="rId38"/>
+  </p:notesMasterIdLst>
   <p:sldIdLst>
     <p:sldId id="256" r:id="rId2"/>
     <p:sldId id="257" r:id="rId3"/>
@@ -139,7 +142,366 @@
       </a:defRPr>
     </a:lvl9pPr>
   </p:defaultTextStyle>
+  <p:extLst>
+    <p:ext uri="{EFAFB233-063F-42B5-8137-9DF3F51BA10A}">
+      <p15:sldGuideLst xmlns:p15="http://schemas.microsoft.com/office/powerpoint/2012/main"/>
+    </p:ext>
+  </p:extLst>
 </p:presentation>
+</file>
+
+<file path=ppt/revisionInfo.xml><?xml version="1.0" encoding="utf-8"?>
+<p1510:revInfo xmlns:a="http://schemas.openxmlformats.org/drawingml/2006/main" xmlns:r="http://schemas.openxmlformats.org/officeDocument/2006/relationships" xmlns:p1510="http://schemas.microsoft.com/office/powerpoint/2015/10/main"/>
+</file>
+
+<file path=ppt/notesMasters/notesMaster1.xml><?xml version="1.0" encoding="utf-8"?>
+<p:notesMaster xmlns:a="http://schemas.openxmlformats.org/drawingml/2006/main" xmlns:r="http://schemas.openxmlformats.org/officeDocument/2006/relationships" xmlns:p="http://schemas.openxmlformats.org/presentationml/2006/main">
+  <p:cSld>
+    <p:bg>
+      <p:bgRef idx="1001">
+        <a:schemeClr val="bg1"/>
+      </p:bgRef>
+    </p:bg>
+    <p:spTree>
+      <p:nvGrpSpPr>
+        <p:cNvPr id="1" name=""/>
+        <p:cNvGrpSpPr/>
+        <p:nvPr/>
+      </p:nvGrpSpPr>
+      <p:grpSpPr>
+        <a:xfrm>
+          <a:off x="0" y="0"/>
+          <a:ext cx="0" cy="0"/>
+          <a:chOff x="0" y="0"/>
+          <a:chExt cx="0" cy="0"/>
+        </a:xfrm>
+      </p:grpSpPr>
+      <p:sp>
+        <p:nvSpPr>
+          <p:cNvPr id="2" name="Header Placeholder 1"/>
+          <p:cNvSpPr>
+            <a:spLocks noGrp="1"/>
+          </p:cNvSpPr>
+          <p:nvPr>
+            <p:ph type="hdr" sz="quarter"/>
+          </p:nvPr>
+        </p:nvSpPr>
+        <p:spPr>
+          <a:xfrm>
+            <a:off x="0" y="0"/>
+            <a:ext cx="2971800" cy="458788"/>
+          </a:xfrm>
+          <a:prstGeom prst="rect">
+            <a:avLst/>
+          </a:prstGeom>
+        </p:spPr>
+        <p:txBody>
+          <a:bodyPr vert="horz" lIns="91440" tIns="45720" rIns="91440" bIns="45720" rtlCol="0"/>
+          <a:lstStyle>
+            <a:lvl1pPr algn="l">
+              <a:defRPr sz="1200"/>
+            </a:lvl1pPr>
+          </a:lstStyle>
+          <a:p>
+            <a:endParaRPr lang="en-GB"/>
+          </a:p>
+        </p:txBody>
+      </p:sp>
+      <p:sp>
+        <p:nvSpPr>
+          <p:cNvPr id="3" name="Date Placeholder 2"/>
+          <p:cNvSpPr>
+            <a:spLocks noGrp="1"/>
+          </p:cNvSpPr>
+          <p:nvPr>
+            <p:ph type="dt" idx="1"/>
+          </p:nvPr>
+        </p:nvSpPr>
+        <p:spPr>
+          <a:xfrm>
+            <a:off x="3884613" y="0"/>
+            <a:ext cx="2971800" cy="458788"/>
+          </a:xfrm>
+          <a:prstGeom prst="rect">
+            <a:avLst/>
+          </a:prstGeom>
+        </p:spPr>
+        <p:txBody>
+          <a:bodyPr vert="horz" lIns="91440" tIns="45720" rIns="91440" bIns="45720" rtlCol="0"/>
+          <a:lstStyle>
+            <a:lvl1pPr algn="r">
+              <a:defRPr sz="1200"/>
+            </a:lvl1pPr>
+          </a:lstStyle>
+          <a:p>
+            <a:fld id="{645BB68B-2656-489F-A766-60B785AC50B4}" type="datetimeFigureOut">
+              <a:rPr lang="en-GB" smtClean="0"/>
+              <a:t>29/01/2018</a:t>
+            </a:fld>
+            <a:endParaRPr lang="en-GB"/>
+          </a:p>
+        </p:txBody>
+      </p:sp>
+      <p:sp>
+        <p:nvSpPr>
+          <p:cNvPr id="4" name="Slide Image Placeholder 3"/>
+          <p:cNvSpPr>
+            <a:spLocks noGrp="1" noRot="1" noChangeAspect="1"/>
+          </p:cNvSpPr>
+          <p:nvPr>
+            <p:ph type="sldImg" idx="2"/>
+          </p:nvPr>
+        </p:nvSpPr>
+        <p:spPr>
+          <a:xfrm>
+            <a:off x="685800" y="1143000"/>
+            <a:ext cx="5486400" cy="3086100"/>
+          </a:xfrm>
+          <a:prstGeom prst="rect">
+            <a:avLst/>
+          </a:prstGeom>
+          <a:noFill/>
+          <a:ln w="12700">
+            <a:solidFill>
+              <a:prstClr val="black"/>
+            </a:solidFill>
+          </a:ln>
+        </p:spPr>
+        <p:txBody>
+          <a:bodyPr vert="horz" lIns="91440" tIns="45720" rIns="91440" bIns="45720" rtlCol="0" anchor="ctr"/>
+          <a:lstStyle/>
+          <a:p>
+            <a:endParaRPr lang="en-GB"/>
+          </a:p>
+        </p:txBody>
+      </p:sp>
+      <p:sp>
+        <p:nvSpPr>
+          <p:cNvPr id="5" name="Notes Placeholder 4"/>
+          <p:cNvSpPr>
+            <a:spLocks noGrp="1"/>
+          </p:cNvSpPr>
+          <p:nvPr>
+            <p:ph type="body" sz="quarter" idx="3"/>
+          </p:nvPr>
+        </p:nvSpPr>
+        <p:spPr>
+          <a:xfrm>
+            <a:off x="685800" y="4400550"/>
+            <a:ext cx="5486400" cy="3600450"/>
+          </a:xfrm>
+          <a:prstGeom prst="rect">
+            <a:avLst/>
+          </a:prstGeom>
+        </p:spPr>
+        <p:txBody>
+          <a:bodyPr vert="horz" lIns="91440" tIns="45720" rIns="91440" bIns="45720" rtlCol="0"/>
+          <a:lstStyle/>
+          <a:p>
+            <a:pPr lvl="0"/>
+            <a:r>
+              <a:rPr lang="en-US"/>
+              <a:t>Edit Master text styles</a:t>
+            </a:r>
+          </a:p>
+          <a:p>
+            <a:pPr lvl="1"/>
+            <a:r>
+              <a:rPr lang="en-US"/>
+              <a:t>Second level</a:t>
+            </a:r>
+          </a:p>
+          <a:p>
+            <a:pPr lvl="2"/>
+            <a:r>
+              <a:rPr lang="en-US"/>
+              <a:t>Third level</a:t>
+            </a:r>
+          </a:p>
+          <a:p>
+            <a:pPr lvl="3"/>
+            <a:r>
+              <a:rPr lang="en-US"/>
+              <a:t>Fourth level</a:t>
+            </a:r>
+          </a:p>
+          <a:p>
+            <a:pPr lvl="4"/>
+            <a:r>
+              <a:rPr lang="en-US"/>
+              <a:t>Fifth level</a:t>
+            </a:r>
+            <a:endParaRPr lang="en-GB"/>
+          </a:p>
+        </p:txBody>
+      </p:sp>
+      <p:sp>
+        <p:nvSpPr>
+          <p:cNvPr id="6" name="Footer Placeholder 5"/>
+          <p:cNvSpPr>
+            <a:spLocks noGrp="1"/>
+          </p:cNvSpPr>
+          <p:nvPr>
+            <p:ph type="ftr" sz="quarter" idx="4"/>
+          </p:nvPr>
+        </p:nvSpPr>
+        <p:spPr>
+          <a:xfrm>
+            <a:off x="0" y="8685213"/>
+            <a:ext cx="2971800" cy="458787"/>
+          </a:xfrm>
+          <a:prstGeom prst="rect">
+            <a:avLst/>
+          </a:prstGeom>
+        </p:spPr>
+        <p:txBody>
+          <a:bodyPr vert="horz" lIns="91440" tIns="45720" rIns="91440" bIns="45720" rtlCol="0" anchor="b"/>
+          <a:lstStyle>
+            <a:lvl1pPr algn="l">
+              <a:defRPr sz="1200"/>
+            </a:lvl1pPr>
+          </a:lstStyle>
+          <a:p>
+            <a:endParaRPr lang="en-GB"/>
+          </a:p>
+        </p:txBody>
+      </p:sp>
+      <p:sp>
+        <p:nvSpPr>
+          <p:cNvPr id="7" name="Slide Number Placeholder 6"/>
+          <p:cNvSpPr>
+            <a:spLocks noGrp="1"/>
+          </p:cNvSpPr>
+          <p:nvPr>
+            <p:ph type="sldNum" sz="quarter" idx="5"/>
+          </p:nvPr>
+        </p:nvSpPr>
+        <p:spPr>
+          <a:xfrm>
+            <a:off x="3884613" y="8685213"/>
+            <a:ext cx="2971800" cy="458787"/>
+          </a:xfrm>
+          <a:prstGeom prst="rect">
+            <a:avLst/>
+          </a:prstGeom>
+        </p:spPr>
+        <p:txBody>
+          <a:bodyPr vert="horz" lIns="91440" tIns="45720" rIns="91440" bIns="45720" rtlCol="0" anchor="b"/>
+          <a:lstStyle>
+            <a:lvl1pPr algn="r">
+              <a:defRPr sz="1200"/>
+            </a:lvl1pPr>
+          </a:lstStyle>
+          <a:p>
+            <a:fld id="{4840962E-E552-44ED-82A4-BF625AF12CD6}" type="slidenum">
+              <a:rPr lang="en-GB" smtClean="0"/>
+              <a:t>‹#›</a:t>
+            </a:fld>
+            <a:endParaRPr lang="en-GB"/>
+          </a:p>
+        </p:txBody>
+      </p:sp>
+    </p:spTree>
+    <p:extLst>
+      <p:ext uri="{BB962C8B-B14F-4D97-AF65-F5344CB8AC3E}">
+        <p14:creationId xmlns:p14="http://schemas.microsoft.com/office/powerpoint/2010/main" val="3741208124"/>
+      </p:ext>
+    </p:extLst>
+  </p:cSld>
+  <p:clrMap bg1="lt1" tx1="dk1" bg2="lt2" tx2="dk2" accent1="accent1" accent2="accent2" accent3="accent3" accent4="accent4" accent5="accent5" accent6="accent6" hlink="hlink" folHlink="folHlink"/>
+  <p:notesStyle>
+    <a:lvl1pPr marL="0" algn="l" defTabSz="914400" rtl="0" eaLnBrk="1" latinLnBrk="0" hangingPunct="1">
+      <a:defRPr sz="1200" kern="1200">
+        <a:solidFill>
+          <a:schemeClr val="tx1"/>
+        </a:solidFill>
+        <a:latin typeface="+mn-lt"/>
+        <a:ea typeface="+mn-ea"/>
+        <a:cs typeface="+mn-cs"/>
+      </a:defRPr>
+    </a:lvl1pPr>
+    <a:lvl2pPr marL="457200" algn="l" defTabSz="914400" rtl="0" eaLnBrk="1" latinLnBrk="0" hangingPunct="1">
+      <a:defRPr sz="1200" kern="1200">
+        <a:solidFill>
+          <a:schemeClr val="tx1"/>
+        </a:solidFill>
+        <a:latin typeface="+mn-lt"/>
+        <a:ea typeface="+mn-ea"/>
+        <a:cs typeface="+mn-cs"/>
+      </a:defRPr>
+    </a:lvl2pPr>
+    <a:lvl3pPr marL="914400" algn="l" defTabSz="914400" rtl="0" eaLnBrk="1" latinLnBrk="0" hangingPunct="1">
+      <a:defRPr sz="1200" kern="1200">
+        <a:solidFill>
+          <a:schemeClr val="tx1"/>
+        </a:solidFill>
+        <a:latin typeface="+mn-lt"/>
+        <a:ea typeface="+mn-ea"/>
+        <a:cs typeface="+mn-cs"/>
+      </a:defRPr>
+    </a:lvl3pPr>
+    <a:lvl4pPr marL="1371600" algn="l" defTabSz="914400" rtl="0" eaLnBrk="1" latinLnBrk="0" hangingPunct="1">
+      <a:defRPr sz="1200" kern="1200">
+        <a:solidFill>
+          <a:schemeClr val="tx1"/>
+        </a:solidFill>
+        <a:latin typeface="+mn-lt"/>
+        <a:ea typeface="+mn-ea"/>
+        <a:cs typeface="+mn-cs"/>
+      </a:defRPr>
+    </a:lvl4pPr>
+    <a:lvl5pPr marL="1828800" algn="l" defTabSz="914400" rtl="0" eaLnBrk="1" latinLnBrk="0" hangingPunct="1">
+      <a:defRPr sz="1200" kern="1200">
+        <a:solidFill>
+          <a:schemeClr val="tx1"/>
+        </a:solidFill>
+        <a:latin typeface="+mn-lt"/>
+        <a:ea typeface="+mn-ea"/>
+        <a:cs typeface="+mn-cs"/>
+      </a:defRPr>
+    </a:lvl5pPr>
+    <a:lvl6pPr marL="2286000" algn="l" defTabSz="914400" rtl="0" eaLnBrk="1" latinLnBrk="0" hangingPunct="1">
+      <a:defRPr sz="1200" kern="1200">
+        <a:solidFill>
+          <a:schemeClr val="tx1"/>
+        </a:solidFill>
+        <a:latin typeface="+mn-lt"/>
+        <a:ea typeface="+mn-ea"/>
+        <a:cs typeface="+mn-cs"/>
+      </a:defRPr>
+    </a:lvl6pPr>
+    <a:lvl7pPr marL="2743200" algn="l" defTabSz="914400" rtl="0" eaLnBrk="1" latinLnBrk="0" hangingPunct="1">
+      <a:defRPr sz="1200" kern="1200">
+        <a:solidFill>
+          <a:schemeClr val="tx1"/>
+        </a:solidFill>
+        <a:latin typeface="+mn-lt"/>
+        <a:ea typeface="+mn-ea"/>
+        <a:cs typeface="+mn-cs"/>
+      </a:defRPr>
+    </a:lvl7pPr>
+    <a:lvl8pPr marL="3200400" algn="l" defTabSz="914400" rtl="0" eaLnBrk="1" latinLnBrk="0" hangingPunct="1">
+      <a:defRPr sz="1200" kern="1200">
+        <a:solidFill>
+          <a:schemeClr val="tx1"/>
+        </a:solidFill>
+        <a:latin typeface="+mn-lt"/>
+        <a:ea typeface="+mn-ea"/>
+        <a:cs typeface="+mn-cs"/>
+      </a:defRPr>
+    </a:lvl8pPr>
+    <a:lvl9pPr marL="3657600" algn="l" defTabSz="914400" rtl="0" eaLnBrk="1" latinLnBrk="0" hangingPunct="1">
+      <a:defRPr sz="1200" kern="1200">
+        <a:solidFill>
+          <a:schemeClr val="tx1"/>
+        </a:solidFill>
+        <a:latin typeface="+mn-lt"/>
+        <a:ea typeface="+mn-ea"/>
+        <a:cs typeface="+mn-cs"/>
+      </a:defRPr>
+    </a:lvl9pPr>
+  </p:notesStyle>
+</p:notesMaster>
 </file>
 
 <file path=ppt/slideLayouts/slideLayout1.xml><?xml version="1.0" encoding="utf-8"?>
@@ -311,9 +673,9 @@
           <a:bodyPr/>
           <a:lstStyle/>
           <a:p>
-            <a:fld id="{48A87A34-81AB-432B-8DAE-1953F412C126}" type="datetimeFigureOut">
-              <a:rPr lang="en-US" dirty="0"/>
-              <a:t>1/28/2018</a:t>
+            <a:fld id="{A24B99DA-BE27-4135-81E9-5903F5B1129C}" type="datetime1">
+              <a:rPr lang="en-US" smtClean="0"/>
+              <a:t>1/29/2018</a:t>
             </a:fld>
             <a:endParaRPr lang="en-US" dirty="0"/>
           </a:p>
@@ -334,7 +696,22 @@
           <a:bodyPr/>
           <a:lstStyle/>
           <a:p>
-            <a:endParaRPr lang="en-US" dirty="0"/>
+            <a:r>
+              <a:rPr lang="en-US" dirty="0"/>
+              <a:t>Author : Samuel Jones</a:t>
+            </a:r>
+          </a:p>
+          <a:p>
+            <a:r>
+              <a:rPr lang="en-US" dirty="0"/>
+              <a:t>Not to be reused without permission</a:t>
+            </a:r>
+          </a:p>
+          <a:p>
+            <a:r>
+              <a:rPr lang="en-US" dirty="0"/>
+              <a:t>University of Salford Computing Society 2018</a:t>
+            </a:r>
           </a:p>
         </p:txBody>
       </p:sp>
@@ -648,9 +1025,9 @@
           <a:bodyPr/>
           <a:lstStyle/>
           <a:p>
-            <a:fld id="{48A87A34-81AB-432B-8DAE-1953F412C126}" type="datetimeFigureOut">
-              <a:rPr lang="en-US" dirty="0"/>
-              <a:t>1/28/2018</a:t>
+            <a:fld id="{60A5202C-7399-44F0-8C82-6D1E875A4FF3}" type="datetime1">
+              <a:rPr lang="en-US" smtClean="0"/>
+              <a:t>1/29/2018</a:t>
             </a:fld>
             <a:endParaRPr lang="en-US" dirty="0"/>
           </a:p>
@@ -671,6 +1048,10 @@
           <a:bodyPr/>
           <a:lstStyle/>
           <a:p>
+            <a:r>
+              <a:rPr lang="en-GB"/>
+              <a:t>Author : Samuel Jones Not to be reused without permission University of Salford Computing Society 2018</a:t>
+            </a:r>
             <a:endParaRPr lang="en-US" dirty="0"/>
           </a:p>
         </p:txBody>
@@ -865,9 +1246,9 @@
           <a:bodyPr/>
           <a:lstStyle/>
           <a:p>
-            <a:fld id="{48A87A34-81AB-432B-8DAE-1953F412C126}" type="datetimeFigureOut">
-              <a:rPr lang="en-US" dirty="0"/>
-              <a:t>1/28/2018</a:t>
+            <a:fld id="{CD983A57-8349-441E-A4CF-F2A2EB5E9B3E}" type="datetime1">
+              <a:rPr lang="en-US" smtClean="0"/>
+              <a:t>1/29/2018</a:t>
             </a:fld>
             <a:endParaRPr lang="en-US" dirty="0"/>
           </a:p>
@@ -888,6 +1269,10 @@
           <a:bodyPr/>
           <a:lstStyle/>
           <a:p>
+            <a:r>
+              <a:rPr lang="en-GB"/>
+              <a:t>Author : Samuel Jones Not to be reused without permission University of Salford Computing Society 2018</a:t>
+            </a:r>
             <a:endParaRPr lang="en-US" dirty="0"/>
           </a:p>
         </p:txBody>
@@ -1151,9 +1536,9 @@
           <a:bodyPr/>
           <a:lstStyle/>
           <a:p>
-            <a:fld id="{48A87A34-81AB-432B-8DAE-1953F412C126}" type="datetimeFigureOut">
-              <a:rPr lang="en-US" dirty="0"/>
-              <a:t>1/28/2018</a:t>
+            <a:fld id="{965940CC-B911-4BAA-AF02-5C6272F35494}" type="datetime1">
+              <a:rPr lang="en-US" smtClean="0"/>
+              <a:t>1/29/2018</a:t>
             </a:fld>
             <a:endParaRPr lang="en-US" dirty="0"/>
           </a:p>
@@ -1174,6 +1559,10 @@
           <a:bodyPr/>
           <a:lstStyle/>
           <a:p>
+            <a:r>
+              <a:rPr lang="en-GB"/>
+              <a:t>Author : Samuel Jones Not to be reused without permission University of Salford Computing Society 2018</a:t>
+            </a:r>
             <a:endParaRPr lang="en-US" dirty="0"/>
           </a:p>
         </p:txBody>
@@ -1600,9 +1989,9 @@
           <a:bodyPr/>
           <a:lstStyle/>
           <a:p>
-            <a:fld id="{48A87A34-81AB-432B-8DAE-1953F412C126}" type="datetimeFigureOut">
-              <a:rPr lang="en-US" dirty="0"/>
-              <a:t>1/28/2018</a:t>
+            <a:fld id="{65729F33-6252-4CB4-AE2F-26B8875A0D56}" type="datetime1">
+              <a:rPr lang="en-US" smtClean="0"/>
+              <a:t>1/29/2018</a:t>
             </a:fld>
             <a:endParaRPr lang="en-US" dirty="0"/>
           </a:p>
@@ -1623,6 +2012,10 @@
           <a:bodyPr/>
           <a:lstStyle/>
           <a:p>
+            <a:r>
+              <a:rPr lang="en-GB"/>
+              <a:t>Author : Samuel Jones Not to be reused without permission University of Salford Computing Society 2018</a:t>
+            </a:r>
             <a:endParaRPr lang="en-US" dirty="0"/>
           </a:p>
         </p:txBody>
@@ -2171,9 +2564,9 @@
           <a:bodyPr/>
           <a:lstStyle/>
           <a:p>
-            <a:fld id="{48A87A34-81AB-432B-8DAE-1953F412C126}" type="datetimeFigureOut">
-              <a:rPr lang="en-US" dirty="0"/>
-              <a:t>1/28/2018</a:t>
+            <a:fld id="{09685EC0-B302-4A73-9CDF-61FA8F5BF1AE}" type="datetime1">
+              <a:rPr lang="en-US" smtClean="0"/>
+              <a:t>1/29/2018</a:t>
             </a:fld>
             <a:endParaRPr lang="en-US" dirty="0"/>
           </a:p>
@@ -2194,6 +2587,10 @@
           <a:bodyPr/>
           <a:lstStyle/>
           <a:p>
+            <a:r>
+              <a:rPr lang="en-GB"/>
+              <a:t>Author : Samuel Jones Not to be reused without permission University of Salford Computing Society 2018</a:t>
+            </a:r>
             <a:endParaRPr lang="en-US" dirty="0"/>
           </a:p>
         </p:txBody>
@@ -3018,9 +3415,9 @@
           <a:bodyPr/>
           <a:lstStyle/>
           <a:p>
-            <a:fld id="{48A87A34-81AB-432B-8DAE-1953F412C126}" type="datetimeFigureOut">
-              <a:rPr lang="en-US" dirty="0"/>
-              <a:t>1/28/2018</a:t>
+            <a:fld id="{F63CE62B-577B-4770-B42F-FC8E644F83AA}" type="datetime1">
+              <a:rPr lang="en-US" smtClean="0"/>
+              <a:t>1/29/2018</a:t>
             </a:fld>
             <a:endParaRPr lang="en-US" dirty="0"/>
           </a:p>
@@ -3041,6 +3438,10 @@
           <a:bodyPr/>
           <a:lstStyle/>
           <a:p>
+            <a:r>
+              <a:rPr lang="en-GB"/>
+              <a:t>Author : Samuel Jones Not to be reused without permission University of Salford Computing Society 2018</a:t>
+            </a:r>
             <a:endParaRPr lang="en-US" dirty="0"/>
           </a:p>
         </p:txBody>
@@ -3218,9 +3619,9 @@
           <a:bodyPr/>
           <a:lstStyle/>
           <a:p>
-            <a:fld id="{48A87A34-81AB-432B-8DAE-1953F412C126}" type="datetimeFigureOut">
-              <a:rPr lang="en-US" dirty="0"/>
-              <a:t>1/28/2018</a:t>
+            <a:fld id="{6D02E099-2AB4-422A-9F01-584C760F83BB}" type="datetime1">
+              <a:rPr lang="en-US" smtClean="0"/>
+              <a:t>1/29/2018</a:t>
             </a:fld>
             <a:endParaRPr lang="en-US" dirty="0"/>
           </a:p>
@@ -3241,6 +3642,10 @@
           <a:bodyPr/>
           <a:lstStyle/>
           <a:p>
+            <a:r>
+              <a:rPr lang="en-GB"/>
+              <a:t>Author : Samuel Jones Not to be reused without permission University of Salford Computing Society 2018</a:t>
+            </a:r>
             <a:endParaRPr lang="en-US" dirty="0"/>
           </a:p>
         </p:txBody>
@@ -3427,9 +3832,9 @@
           <a:bodyPr/>
           <a:lstStyle/>
           <a:p>
-            <a:fld id="{48A87A34-81AB-432B-8DAE-1953F412C126}" type="datetimeFigureOut">
-              <a:rPr lang="en-US" dirty="0"/>
-              <a:t>1/28/2018</a:t>
+            <a:fld id="{44EF5F73-FCD8-49E2-AC79-5D6CAFABD36B}" type="datetime1">
+              <a:rPr lang="en-US" smtClean="0"/>
+              <a:t>1/29/2018</a:t>
             </a:fld>
             <a:endParaRPr lang="en-US" dirty="0"/>
           </a:p>
@@ -3450,6 +3855,10 @@
           <a:bodyPr/>
           <a:lstStyle/>
           <a:p>
+            <a:r>
+              <a:rPr lang="en-GB"/>
+              <a:t>Author : Samuel Jones Not to be reused without permission University of Salford Computing Society 2018</a:t>
+            </a:r>
             <a:endParaRPr lang="en-US" dirty="0"/>
           </a:p>
         </p:txBody>
@@ -3627,9 +4036,9 @@
           <a:bodyPr/>
           <a:lstStyle/>
           <a:p>
-            <a:fld id="{48A87A34-81AB-432B-8DAE-1953F412C126}" type="datetimeFigureOut">
-              <a:rPr lang="en-US" dirty="0"/>
-              <a:t>1/28/2018</a:t>
+            <a:fld id="{F2038A50-B303-41B0-B301-80BAF2C075C1}" type="datetime1">
+              <a:rPr lang="en-US" smtClean="0"/>
+              <a:t>1/29/2018</a:t>
             </a:fld>
             <a:endParaRPr lang="en-US" dirty="0"/>
           </a:p>
@@ -3650,7 +4059,22 @@
           <a:bodyPr/>
           <a:lstStyle/>
           <a:p>
-            <a:endParaRPr lang="en-US" dirty="0"/>
+            <a:r>
+              <a:rPr lang="en-US" dirty="0"/>
+              <a:t>Author : Samuel Jones</a:t>
+            </a:r>
+          </a:p>
+          <a:p>
+            <a:r>
+              <a:rPr lang="en-US" dirty="0"/>
+              <a:t>Not to be reused without permission</a:t>
+            </a:r>
+          </a:p>
+          <a:p>
+            <a:r>
+              <a:rPr lang="en-US" dirty="0"/>
+              <a:t>University of Salford Computing Society 2018</a:t>
+            </a:r>
           </a:p>
         </p:txBody>
       </p:sp>
@@ -3902,9 +4326,9 @@
           <a:bodyPr/>
           <a:lstStyle/>
           <a:p>
-            <a:fld id="{48A87A34-81AB-432B-8DAE-1953F412C126}" type="datetimeFigureOut">
-              <a:rPr lang="en-US" dirty="0"/>
-              <a:t>1/28/2018</a:t>
+            <a:fld id="{FEE4DA8E-FC37-408A-B064-0B49EB780D5E}" type="datetime1">
+              <a:rPr lang="en-US" smtClean="0"/>
+              <a:t>1/29/2018</a:t>
             </a:fld>
             <a:endParaRPr lang="en-US" dirty="0"/>
           </a:p>
@@ -3925,6 +4349,10 @@
           <a:bodyPr/>
           <a:lstStyle/>
           <a:p>
+            <a:r>
+              <a:rPr lang="en-GB"/>
+              <a:t>Author : Samuel Jones Not to be reused without permission University of Salford Computing Society 2018</a:t>
+            </a:r>
             <a:endParaRPr lang="en-US" dirty="0"/>
           </a:p>
         </p:txBody>
@@ -4164,9 +4592,9 @@
           <a:bodyPr/>
           <a:lstStyle/>
           <a:p>
-            <a:fld id="{48A87A34-81AB-432B-8DAE-1953F412C126}" type="datetimeFigureOut">
-              <a:rPr lang="en-US" dirty="0"/>
-              <a:t>1/28/2018</a:t>
+            <a:fld id="{0717ADAE-1ED7-4684-9474-2E6E55262A02}" type="datetime1">
+              <a:rPr lang="en-US" smtClean="0"/>
+              <a:t>1/29/2018</a:t>
             </a:fld>
             <a:endParaRPr lang="en-US" dirty="0"/>
           </a:p>
@@ -4187,6 +4615,10 @@
           <a:bodyPr/>
           <a:lstStyle/>
           <a:p>
+            <a:r>
+              <a:rPr lang="en-GB"/>
+              <a:t>Author : Samuel Jones Not to be reused without permission University of Salford Computing Society 2018</a:t>
+            </a:r>
             <a:endParaRPr lang="en-US" dirty="0"/>
           </a:p>
         </p:txBody>
@@ -4574,9 +5006,9 @@
           <a:bodyPr/>
           <a:lstStyle/>
           <a:p>
-            <a:fld id="{48A87A34-81AB-432B-8DAE-1953F412C126}" type="datetimeFigureOut">
-              <a:rPr lang="en-US" dirty="0"/>
-              <a:t>1/28/2018</a:t>
+            <a:fld id="{8DD9695C-EBC5-4E27-AC6D-FCD1AB18EB52}" type="datetime1">
+              <a:rPr lang="en-US" smtClean="0"/>
+              <a:t>1/29/2018</a:t>
             </a:fld>
             <a:endParaRPr lang="en-US" dirty="0"/>
           </a:p>
@@ -4597,6 +5029,10 @@
           <a:bodyPr/>
           <a:lstStyle/>
           <a:p>
+            <a:r>
+              <a:rPr lang="en-GB"/>
+              <a:t>Author : Samuel Jones Not to be reused without permission University of Salford Computing Society 2018</a:t>
+            </a:r>
             <a:endParaRPr lang="en-US" dirty="0"/>
           </a:p>
         </p:txBody>
@@ -4717,9 +5153,9 @@
           <a:bodyPr/>
           <a:lstStyle/>
           <a:p>
-            <a:fld id="{48A87A34-81AB-432B-8DAE-1953F412C126}" type="datetimeFigureOut">
-              <a:rPr lang="en-US" dirty="0"/>
-              <a:t>1/28/2018</a:t>
+            <a:fld id="{29A8F14B-BFC1-4CEE-A0D3-6C4601DD7CAB}" type="datetime1">
+              <a:rPr lang="en-US" smtClean="0"/>
+              <a:t>1/29/2018</a:t>
             </a:fld>
             <a:endParaRPr lang="en-US" dirty="0"/>
           </a:p>
@@ -4740,6 +5176,10 @@
           <a:bodyPr/>
           <a:lstStyle/>
           <a:p>
+            <a:r>
+              <a:rPr lang="en-GB"/>
+              <a:t>Author : Samuel Jones Not to be reused without permission University of Salford Computing Society 2018</a:t>
+            </a:r>
             <a:endParaRPr lang="en-US" dirty="0"/>
           </a:p>
         </p:txBody>
@@ -4837,9 +5277,9 @@
           <a:bodyPr/>
           <a:lstStyle/>
           <a:p>
-            <a:fld id="{48A87A34-81AB-432B-8DAE-1953F412C126}" type="datetimeFigureOut">
-              <a:rPr lang="en-US" dirty="0"/>
-              <a:t>1/28/2018</a:t>
+            <a:fld id="{93EDBA89-3292-4BBA-827A-A119518A2BB6}" type="datetime1">
+              <a:rPr lang="en-US" smtClean="0"/>
+              <a:t>1/29/2018</a:t>
             </a:fld>
             <a:endParaRPr lang="en-US" dirty="0"/>
           </a:p>
@@ -4860,7 +5300,22 @@
           <a:bodyPr/>
           <a:lstStyle/>
           <a:p>
-            <a:endParaRPr lang="en-US" dirty="0"/>
+            <a:r>
+              <a:rPr lang="en-US" dirty="0"/>
+              <a:t>Author : Samuel Jones</a:t>
+            </a:r>
+          </a:p>
+          <a:p>
+            <a:r>
+              <a:rPr lang="en-US" dirty="0"/>
+              <a:t>Not to be reused without permission</a:t>
+            </a:r>
+          </a:p>
+          <a:p>
+            <a:r>
+              <a:rPr lang="en-US" dirty="0"/>
+              <a:t>University of Salford Computing Society 2018</a:t>
+            </a:r>
           </a:p>
         </p:txBody>
       </p:sp>
@@ -5111,9 +5566,9 @@
           <a:bodyPr/>
           <a:lstStyle/>
           <a:p>
-            <a:fld id="{48A87A34-81AB-432B-8DAE-1953F412C126}" type="datetimeFigureOut">
-              <a:rPr lang="en-US" dirty="0"/>
-              <a:t>1/28/2018</a:t>
+            <a:fld id="{1354FFAF-3EEC-4956-8EA3-A6DEFACDC874}" type="datetime1">
+              <a:rPr lang="en-US" smtClean="0"/>
+              <a:t>1/29/2018</a:t>
             </a:fld>
             <a:endParaRPr lang="en-US" dirty="0"/>
           </a:p>
@@ -5134,6 +5589,10 @@
           <a:bodyPr/>
           <a:lstStyle/>
           <a:p>
+            <a:r>
+              <a:rPr lang="en-GB"/>
+              <a:t>Author : Samuel Jones Not to be reused without permission University of Salford Computing Society 2018</a:t>
+            </a:r>
             <a:endParaRPr lang="en-US" dirty="0"/>
           </a:p>
         </p:txBody>
@@ -5418,9 +5877,9 @@
           <a:bodyPr/>
           <a:lstStyle/>
           <a:p>
-            <a:fld id="{48A87A34-81AB-432B-8DAE-1953F412C126}" type="datetimeFigureOut">
-              <a:rPr lang="en-US" dirty="0"/>
-              <a:t>1/28/2018</a:t>
+            <a:fld id="{E287A654-BB5C-40A3-8A97-AE5AE7309971}" type="datetime1">
+              <a:rPr lang="en-US" smtClean="0"/>
+              <a:t>1/29/2018</a:t>
             </a:fld>
             <a:endParaRPr lang="en-US" dirty="0"/>
           </a:p>
@@ -5441,6 +5900,10 @@
           <a:bodyPr/>
           <a:lstStyle/>
           <a:p>
+            <a:r>
+              <a:rPr lang="en-GB"/>
+              <a:t>Author : Samuel Jones Not to be reused without permission University of Salford Computing Society 2018</a:t>
+            </a:r>
             <a:endParaRPr lang="en-US" dirty="0"/>
           </a:p>
         </p:txBody>
@@ -5666,10 +6129,9 @@
             </a:lvl1pPr>
           </a:lstStyle>
           <a:p>
-            <a:fld id="{48A87A34-81AB-432B-8DAE-1953F412C126}" type="datetimeFigureOut">
-              <a:rPr lang="en-US" dirty="0"/>
-              <a:pPr/>
-              <a:t>1/28/2018</a:t>
+            <a:fld id="{AA310ACC-7579-40D2-B618-CB405700C93C}" type="datetime1">
+              <a:rPr lang="en-US" smtClean="0"/>
+              <a:t>1/29/2018</a:t>
             </a:fld>
             <a:endParaRPr lang="en-US" dirty="0"/>
           </a:p>
@@ -5706,7 +6168,22 @@
             </a:lvl1pPr>
           </a:lstStyle>
           <a:p>
-            <a:endParaRPr lang="en-US" dirty="0"/>
+            <a:r>
+              <a:rPr lang="en-US" dirty="0"/>
+              <a:t>Author : Samuel Jones</a:t>
+            </a:r>
+          </a:p>
+          <a:p>
+            <a:r>
+              <a:rPr lang="en-US" dirty="0"/>
+              <a:t>Not to be reused without permission</a:t>
+            </a:r>
+          </a:p>
+          <a:p>
+            <a:r>
+              <a:rPr lang="en-US" dirty="0"/>
+              <a:t>University of Salford Computing Society 2018</a:t>
+            </a:r>
           </a:p>
         </p:txBody>
       </p:sp>
@@ -5802,6 +6279,7 @@
     <p:sldLayoutId id="2147483658" r:id="rId16"/>
     <p:sldLayoutId id="2147483659" r:id="rId17"/>
   </p:sldLayoutIdLst>
+  <p:hf sldNum="0" hdr="0" dt="0"/>
   <p:txStyles>
     <p:titleStyle>
       <a:lvl1pPr algn="ctr" defTabSz="914400" rtl="0" eaLnBrk="1" latinLnBrk="0" hangingPunct="1">
@@ -6310,6 +6788,124 @@
   <p:clrMapOvr>
     <a:masterClrMapping/>
   </p:clrMapOvr>
+  <p:timing>
+    <p:tnLst>
+      <p:par>
+        <p:cTn id="1" dur="indefinite" restart="never" nodeType="tmRoot">
+          <p:childTnLst>
+            <p:seq concurrent="1" nextAc="seek">
+              <p:cTn id="2" dur="indefinite" nodeType="mainSeq">
+                <p:childTnLst>
+                  <p:par>
+                    <p:cTn id="3" fill="hold">
+                      <p:stCondLst>
+                        <p:cond delay="indefinite"/>
+                      </p:stCondLst>
+                      <p:childTnLst>
+                        <p:par>
+                          <p:cTn id="4" fill="hold">
+                            <p:stCondLst>
+                              <p:cond delay="0"/>
+                            </p:stCondLst>
+                            <p:childTnLst>
+                              <p:par>
+                                <p:cTn id="5" presetID="26" presetClass="emph" presetSubtype="0" fill="hold" nodeType="clickEffect">
+                                  <p:stCondLst>
+                                    <p:cond delay="0"/>
+                                  </p:stCondLst>
+                                  <p:childTnLst>
+                                    <p:animEffect transition="out" filter="fade">
+                                      <p:cBhvr>
+                                        <p:cTn id="6" dur="500" tmFilter="0, 0; .2, .5; .8, .5; 1, 0"/>
+                                        <p:tgtEl>
+                                          <p:spTgt spid="8"/>
+                                        </p:tgtEl>
+                                      </p:cBhvr>
+                                    </p:animEffect>
+                                    <p:animScale>
+                                      <p:cBhvr>
+                                        <p:cTn id="7" dur="250" autoRev="1" fill="hold"/>
+                                        <p:tgtEl>
+                                          <p:spTgt spid="8"/>
+                                        </p:tgtEl>
+                                      </p:cBhvr>
+                                      <p:by x="105000" y="105000"/>
+                                    </p:animScale>
+                                  </p:childTnLst>
+                                </p:cTn>
+                              </p:par>
+                            </p:childTnLst>
+                          </p:cTn>
+                        </p:par>
+                      </p:childTnLst>
+                    </p:cTn>
+                  </p:par>
+                  <p:par>
+                    <p:cTn id="8" fill="hold">
+                      <p:stCondLst>
+                        <p:cond delay="indefinite"/>
+                      </p:stCondLst>
+                      <p:childTnLst>
+                        <p:par>
+                          <p:cTn id="9" fill="hold">
+                            <p:stCondLst>
+                              <p:cond delay="0"/>
+                            </p:stCondLst>
+                            <p:childTnLst>
+                              <p:par>
+                                <p:cTn id="10" presetID="26" presetClass="emph" presetSubtype="0" fill="hold" nodeType="clickEffect">
+                                  <p:stCondLst>
+                                    <p:cond delay="0"/>
+                                  </p:stCondLst>
+                                  <p:childTnLst>
+                                    <p:animEffect transition="out" filter="fade">
+                                      <p:cBhvr>
+                                        <p:cTn id="11" dur="500" tmFilter="0, 0; .2, .5; .8, .5; 1, 0"/>
+                                        <p:tgtEl>
+                                          <p:spTgt spid="6"/>
+                                        </p:tgtEl>
+                                      </p:cBhvr>
+                                    </p:animEffect>
+                                    <p:animScale>
+                                      <p:cBhvr>
+                                        <p:cTn id="12" dur="250" autoRev="1" fill="hold"/>
+                                        <p:tgtEl>
+                                          <p:spTgt spid="6"/>
+                                        </p:tgtEl>
+                                      </p:cBhvr>
+                                      <p:by x="105000" y="105000"/>
+                                    </p:animScale>
+                                  </p:childTnLst>
+                                </p:cTn>
+                              </p:par>
+                            </p:childTnLst>
+                          </p:cTn>
+                        </p:par>
+                      </p:childTnLst>
+                    </p:cTn>
+                  </p:par>
+                </p:childTnLst>
+              </p:cTn>
+              <p:prevCondLst>
+                <p:cond evt="onPrev" delay="0">
+                  <p:tgtEl>
+                    <p:sldTgt/>
+                  </p:tgtEl>
+                </p:cond>
+              </p:prevCondLst>
+              <p:nextCondLst>
+                <p:cond evt="onNext" delay="0">
+                  <p:tgtEl>
+                    <p:sldTgt/>
+                  </p:tgtEl>
+                </p:cond>
+              </p:nextCondLst>
+            </p:seq>
+          </p:childTnLst>
+        </p:cTn>
+      </p:par>
+    </p:tnLst>
+  </p:timing>
 </p:sld>
 </file>
 
@@ -6421,6 +7017,47 @@
               <a:t></a:t>
             </a:r>
             <a:endParaRPr lang="en-GB" sz="1200" cap="none" dirty="0"/>
+          </a:p>
+        </p:txBody>
+      </p:sp>
+      <p:sp>
+        <p:nvSpPr>
+          <p:cNvPr id="4" name="Footer Placeholder 3">
+            <a:extLst>
+              <a:ext uri="{FF2B5EF4-FFF2-40B4-BE49-F238E27FC236}">
+                <a16:creationId xmlns:a16="http://schemas.microsoft.com/office/drawing/2014/main" id="{91FE9EA2-1BF9-45C3-BCEA-9ACADEFA1D98}"/>
+              </a:ext>
+            </a:extLst>
+          </p:cNvPr>
+          <p:cNvSpPr>
+            <a:spLocks noGrp="1"/>
+          </p:cNvSpPr>
+          <p:nvPr>
+            <p:ph type="ftr" sz="quarter" idx="11"/>
+          </p:nvPr>
+        </p:nvSpPr>
+        <p:spPr/>
+        <p:txBody>
+          <a:bodyPr/>
+          <a:lstStyle/>
+          <a:p>
+            <a:r>
+              <a:rPr lang="en-US"/>
+              <a:t>Author : Samuel Jones</a:t>
+            </a:r>
+          </a:p>
+          <a:p>
+            <a:r>
+              <a:rPr lang="en-US"/>
+              <a:t>Not to be reused without permission</a:t>
+            </a:r>
+          </a:p>
+          <a:p>
+            <a:r>
+              <a:rPr lang="en-US"/>
+              <a:t>University of Salford Computing Society 2018</a:t>
+            </a:r>
+            <a:endParaRPr lang="en-US" dirty="0"/>
           </a:p>
         </p:txBody>
       </p:sp>
@@ -6677,6 +7314,47 @@
           </a:p>
         </p:txBody>
       </p:sp>
+      <p:sp>
+        <p:nvSpPr>
+          <p:cNvPr id="4" name="Footer Placeholder 3">
+            <a:extLst>
+              <a:ext uri="{FF2B5EF4-FFF2-40B4-BE49-F238E27FC236}">
+                <a16:creationId xmlns:a16="http://schemas.microsoft.com/office/drawing/2014/main" id="{97977E79-A7D3-4B18-B6C5-BB33CA97537F}"/>
+              </a:ext>
+            </a:extLst>
+          </p:cNvPr>
+          <p:cNvSpPr>
+            <a:spLocks noGrp="1"/>
+          </p:cNvSpPr>
+          <p:nvPr>
+            <p:ph type="ftr" sz="quarter" idx="11"/>
+          </p:nvPr>
+        </p:nvSpPr>
+        <p:spPr/>
+        <p:txBody>
+          <a:bodyPr/>
+          <a:lstStyle/>
+          <a:p>
+            <a:r>
+              <a:rPr lang="en-US"/>
+              <a:t>Author : Samuel Jones</a:t>
+            </a:r>
+          </a:p>
+          <a:p>
+            <a:r>
+              <a:rPr lang="en-US"/>
+              <a:t>Not to be reused without permission</a:t>
+            </a:r>
+          </a:p>
+          <a:p>
+            <a:r>
+              <a:rPr lang="en-US"/>
+              <a:t>University of Salford Computing Society 2018</a:t>
+            </a:r>
+            <a:endParaRPr lang="en-US" dirty="0"/>
+          </a:p>
+        </p:txBody>
+      </p:sp>
     </p:spTree>
     <p:extLst>
       <p:ext uri="{BB962C8B-B14F-4D97-AF65-F5344CB8AC3E}">
@@ -6801,6 +7479,47 @@
           </a:prstGeom>
         </p:spPr>
       </p:pic>
+      <p:sp>
+        <p:nvSpPr>
+          <p:cNvPr id="4" name="Footer Placeholder 3">
+            <a:extLst>
+              <a:ext uri="{FF2B5EF4-FFF2-40B4-BE49-F238E27FC236}">
+                <a16:creationId xmlns:a16="http://schemas.microsoft.com/office/drawing/2014/main" id="{C4CA0ABA-D4F5-44E9-A33F-656CFB6161CE}"/>
+              </a:ext>
+            </a:extLst>
+          </p:cNvPr>
+          <p:cNvSpPr>
+            <a:spLocks noGrp="1"/>
+          </p:cNvSpPr>
+          <p:nvPr>
+            <p:ph type="ftr" sz="quarter" idx="11"/>
+          </p:nvPr>
+        </p:nvSpPr>
+        <p:spPr/>
+        <p:txBody>
+          <a:bodyPr/>
+          <a:lstStyle/>
+          <a:p>
+            <a:r>
+              <a:rPr lang="en-US"/>
+              <a:t>Author : Samuel Jones</a:t>
+            </a:r>
+          </a:p>
+          <a:p>
+            <a:r>
+              <a:rPr lang="en-US"/>
+              <a:t>Not to be reused without permission</a:t>
+            </a:r>
+          </a:p>
+          <a:p>
+            <a:r>
+              <a:rPr lang="en-US"/>
+              <a:t>University of Salford Computing Society 2018</a:t>
+            </a:r>
+            <a:endParaRPr lang="en-US" dirty="0"/>
+          </a:p>
+        </p:txBody>
+      </p:sp>
     </p:spTree>
     <p:extLst>
       <p:ext uri="{BB962C8B-B14F-4D97-AF65-F5344CB8AC3E}">
@@ -7383,6 +8102,47 @@
           </a:prstGeom>
         </p:spPr>
       </p:pic>
+      <p:sp>
+        <p:nvSpPr>
+          <p:cNvPr id="2" name="Footer Placeholder 1">
+            <a:extLst>
+              <a:ext uri="{FF2B5EF4-FFF2-40B4-BE49-F238E27FC236}">
+                <a16:creationId xmlns:a16="http://schemas.microsoft.com/office/drawing/2014/main" id="{E3B0FA01-5409-416E-BB23-2366DFECA653}"/>
+              </a:ext>
+            </a:extLst>
+          </p:cNvPr>
+          <p:cNvSpPr>
+            <a:spLocks noGrp="1"/>
+          </p:cNvSpPr>
+          <p:nvPr>
+            <p:ph type="ftr" sz="quarter" idx="11"/>
+          </p:nvPr>
+        </p:nvSpPr>
+        <p:spPr/>
+        <p:txBody>
+          <a:bodyPr/>
+          <a:lstStyle/>
+          <a:p>
+            <a:r>
+              <a:rPr lang="en-US"/>
+              <a:t>Author : Samuel Jones</a:t>
+            </a:r>
+          </a:p>
+          <a:p>
+            <a:r>
+              <a:rPr lang="en-US"/>
+              <a:t>Not to be reused without permission</a:t>
+            </a:r>
+          </a:p>
+          <a:p>
+            <a:r>
+              <a:rPr lang="en-US"/>
+              <a:t>University of Salford Computing Society 2018</a:t>
+            </a:r>
+            <a:endParaRPr lang="en-US" dirty="0"/>
+          </a:p>
+        </p:txBody>
+      </p:sp>
     </p:spTree>
     <p:extLst>
       <p:ext uri="{BB962C8B-B14F-4D97-AF65-F5344CB8AC3E}">
@@ -7498,7 +8258,7 @@
             </a:r>
             <a:r>
               <a:rPr lang="en-GB" sz="1200" i="1" cap="none" dirty="0"/>
-              <a:t>p&gt; = this is stupidly easy</a:t>
+              <a:t>p&gt; = this is easy</a:t>
             </a:r>
           </a:p>
           <a:p>
@@ -7509,6 +8269,47 @@
               <a:rPr lang="en-GB" cap="none" dirty="0"/>
               <a:t>REMEMBER HOWEVER, THE P TAG MUST GO IN BETWEEN THE BODY TAGS…</a:t>
             </a:r>
+          </a:p>
+        </p:txBody>
+      </p:sp>
+      <p:sp>
+        <p:nvSpPr>
+          <p:cNvPr id="4" name="Footer Placeholder 3">
+            <a:extLst>
+              <a:ext uri="{FF2B5EF4-FFF2-40B4-BE49-F238E27FC236}">
+                <a16:creationId xmlns:a16="http://schemas.microsoft.com/office/drawing/2014/main" id="{5CDFE26C-910C-483B-80AF-600477F37B6F}"/>
+              </a:ext>
+            </a:extLst>
+          </p:cNvPr>
+          <p:cNvSpPr>
+            <a:spLocks noGrp="1"/>
+          </p:cNvSpPr>
+          <p:nvPr>
+            <p:ph type="ftr" sz="quarter" idx="11"/>
+          </p:nvPr>
+        </p:nvSpPr>
+        <p:spPr/>
+        <p:txBody>
+          <a:bodyPr/>
+          <a:lstStyle/>
+          <a:p>
+            <a:r>
+              <a:rPr lang="en-US"/>
+              <a:t>Author : Samuel Jones</a:t>
+            </a:r>
+          </a:p>
+          <a:p>
+            <a:r>
+              <a:rPr lang="en-US"/>
+              <a:t>Not to be reused without permission</a:t>
+            </a:r>
+          </a:p>
+          <a:p>
+            <a:r>
+              <a:rPr lang="en-US"/>
+              <a:t>University of Salford Computing Society 2018</a:t>
+            </a:r>
+            <a:endParaRPr lang="en-US" dirty="0"/>
           </a:p>
         </p:txBody>
       </p:sp>
@@ -7985,6 +8786,47 @@
           </a:p>
         </p:txBody>
       </p:sp>
+      <p:sp>
+        <p:nvSpPr>
+          <p:cNvPr id="2" name="Footer Placeholder 1">
+            <a:extLst>
+              <a:ext uri="{FF2B5EF4-FFF2-40B4-BE49-F238E27FC236}">
+                <a16:creationId xmlns:a16="http://schemas.microsoft.com/office/drawing/2014/main" id="{CF530220-EB44-4091-A574-53FF99DA754B}"/>
+              </a:ext>
+            </a:extLst>
+          </p:cNvPr>
+          <p:cNvSpPr>
+            <a:spLocks noGrp="1"/>
+          </p:cNvSpPr>
+          <p:nvPr>
+            <p:ph type="ftr" sz="quarter" idx="11"/>
+          </p:nvPr>
+        </p:nvSpPr>
+        <p:spPr/>
+        <p:txBody>
+          <a:bodyPr/>
+          <a:lstStyle/>
+          <a:p>
+            <a:r>
+              <a:rPr lang="en-US"/>
+              <a:t>Author : Samuel Jones</a:t>
+            </a:r>
+          </a:p>
+          <a:p>
+            <a:r>
+              <a:rPr lang="en-US"/>
+              <a:t>Not to be reused without permission</a:t>
+            </a:r>
+          </a:p>
+          <a:p>
+            <a:r>
+              <a:rPr lang="en-US"/>
+              <a:t>University of Salford Computing Society 2018</a:t>
+            </a:r>
+            <a:endParaRPr lang="en-US" dirty="0"/>
+          </a:p>
+        </p:txBody>
+      </p:sp>
     </p:spTree>
     <p:extLst>
       <p:ext uri="{BB962C8B-B14F-4D97-AF65-F5344CB8AC3E}">
@@ -8082,7 +8924,7 @@
             </a:r>
             <a:r>
               <a:rPr lang="en-GB" sz="1200" i="1" cap="none" dirty="0"/>
-              <a:t>img src=“directory link to image” alt=“description” height=“50” width=“50”&gt; = this is a little more complex</a:t>
+              <a:t>img src=“directory link to image” alt=“description” height=“50” width=“50”/&gt; = this is a little more complex</a:t>
             </a:r>
           </a:p>
           <a:p>
@@ -8143,8 +8985,49 @@
             </a:pPr>
             <a:r>
               <a:rPr lang="en-GB" cap="none" dirty="0"/>
-              <a:t>MAKE NOTE THAT IN HTML THE IMG TAG HAS NO CLOSING TAG…</a:t>
-            </a:r>
+              <a:t>MAKE NOTE THAT IN HTML THE IMG TAG IS SELF CLOSING – HENCE THE / AT THE END OF THE DECLARATION. </a:t>
+            </a:r>
+          </a:p>
+        </p:txBody>
+      </p:sp>
+      <p:sp>
+        <p:nvSpPr>
+          <p:cNvPr id="4" name="Footer Placeholder 3">
+            <a:extLst>
+              <a:ext uri="{FF2B5EF4-FFF2-40B4-BE49-F238E27FC236}">
+                <a16:creationId xmlns:a16="http://schemas.microsoft.com/office/drawing/2014/main" id="{10A696F5-3969-4EFE-8EDE-D11D90DC55A8}"/>
+              </a:ext>
+            </a:extLst>
+          </p:cNvPr>
+          <p:cNvSpPr>
+            <a:spLocks noGrp="1"/>
+          </p:cNvSpPr>
+          <p:nvPr>
+            <p:ph type="ftr" sz="quarter" idx="11"/>
+          </p:nvPr>
+        </p:nvSpPr>
+        <p:spPr/>
+        <p:txBody>
+          <a:bodyPr/>
+          <a:lstStyle/>
+          <a:p>
+            <a:r>
+              <a:rPr lang="en-US"/>
+              <a:t>Author : Samuel Jones</a:t>
+            </a:r>
+          </a:p>
+          <a:p>
+            <a:r>
+              <a:rPr lang="en-US"/>
+              <a:t>Not to be reused without permission</a:t>
+            </a:r>
+          </a:p>
+          <a:p>
+            <a:r>
+              <a:rPr lang="en-US"/>
+              <a:t>University of Salford Computing Society 2018</a:t>
+            </a:r>
+            <a:endParaRPr lang="en-US" dirty="0"/>
           </a:p>
         </p:txBody>
       </p:sp>
@@ -8651,6 +9534,47 @@
           </a:prstGeom>
         </p:spPr>
       </p:pic>
+      <p:sp>
+        <p:nvSpPr>
+          <p:cNvPr id="2" name="Footer Placeholder 1">
+            <a:extLst>
+              <a:ext uri="{FF2B5EF4-FFF2-40B4-BE49-F238E27FC236}">
+                <a16:creationId xmlns:a16="http://schemas.microsoft.com/office/drawing/2014/main" id="{0ECB324F-BF01-42D7-85E4-A580BDE40D06}"/>
+              </a:ext>
+            </a:extLst>
+          </p:cNvPr>
+          <p:cNvSpPr>
+            <a:spLocks noGrp="1"/>
+          </p:cNvSpPr>
+          <p:nvPr>
+            <p:ph type="ftr" sz="quarter" idx="11"/>
+          </p:nvPr>
+        </p:nvSpPr>
+        <p:spPr/>
+        <p:txBody>
+          <a:bodyPr/>
+          <a:lstStyle/>
+          <a:p>
+            <a:r>
+              <a:rPr lang="en-US"/>
+              <a:t>Author : Samuel Jones</a:t>
+            </a:r>
+          </a:p>
+          <a:p>
+            <a:r>
+              <a:rPr lang="en-US"/>
+              <a:t>Not to be reused without permission</a:t>
+            </a:r>
+          </a:p>
+          <a:p>
+            <a:r>
+              <a:rPr lang="en-US"/>
+              <a:t>University of Salford Computing Society 2018</a:t>
+            </a:r>
+            <a:endParaRPr lang="en-US" dirty="0"/>
+          </a:p>
+        </p:txBody>
+      </p:sp>
     </p:spTree>
     <p:extLst>
       <p:ext uri="{BB962C8B-B14F-4D97-AF65-F5344CB8AC3E}">
@@ -8759,6 +9683,47 @@
               <a:rPr lang="en-GB" cap="none" dirty="0"/>
               <a:t>IF YOU WANT MULTIPLE TITLES ON A PAGE THEN YOU NEED TO USE H2, H3, H4 AND SO ON!</a:t>
             </a:r>
+          </a:p>
+        </p:txBody>
+      </p:sp>
+      <p:sp>
+        <p:nvSpPr>
+          <p:cNvPr id="4" name="Footer Placeholder 3">
+            <a:extLst>
+              <a:ext uri="{FF2B5EF4-FFF2-40B4-BE49-F238E27FC236}">
+                <a16:creationId xmlns:a16="http://schemas.microsoft.com/office/drawing/2014/main" id="{F96D673C-9C8B-4E5D-B39C-C452DCFA4E9E}"/>
+              </a:ext>
+            </a:extLst>
+          </p:cNvPr>
+          <p:cNvSpPr>
+            <a:spLocks noGrp="1"/>
+          </p:cNvSpPr>
+          <p:nvPr>
+            <p:ph type="ftr" sz="quarter" idx="11"/>
+          </p:nvPr>
+        </p:nvSpPr>
+        <p:spPr/>
+        <p:txBody>
+          <a:bodyPr/>
+          <a:lstStyle/>
+          <a:p>
+            <a:r>
+              <a:rPr lang="en-US"/>
+              <a:t>Author : Samuel Jones</a:t>
+            </a:r>
+          </a:p>
+          <a:p>
+            <a:r>
+              <a:rPr lang="en-US"/>
+              <a:t>Not to be reused without permission</a:t>
+            </a:r>
+          </a:p>
+          <a:p>
+            <a:r>
+              <a:rPr lang="en-US"/>
+              <a:t>University of Salford Computing Society 2018</a:t>
+            </a:r>
+            <a:endParaRPr lang="en-US" dirty="0"/>
           </a:p>
         </p:txBody>
       </p:sp>
@@ -9265,6 +10230,47 @@
           </a:prstGeom>
         </p:spPr>
       </p:pic>
+      <p:sp>
+        <p:nvSpPr>
+          <p:cNvPr id="2" name="Footer Placeholder 1">
+            <a:extLst>
+              <a:ext uri="{FF2B5EF4-FFF2-40B4-BE49-F238E27FC236}">
+                <a16:creationId xmlns:a16="http://schemas.microsoft.com/office/drawing/2014/main" id="{825FA22C-7CD9-4C29-8332-19280270E51F}"/>
+              </a:ext>
+            </a:extLst>
+          </p:cNvPr>
+          <p:cNvSpPr>
+            <a:spLocks noGrp="1"/>
+          </p:cNvSpPr>
+          <p:nvPr>
+            <p:ph type="ftr" sz="quarter" idx="11"/>
+          </p:nvPr>
+        </p:nvSpPr>
+        <p:spPr/>
+        <p:txBody>
+          <a:bodyPr/>
+          <a:lstStyle/>
+          <a:p>
+            <a:r>
+              <a:rPr lang="en-US"/>
+              <a:t>Author : Samuel Jones</a:t>
+            </a:r>
+          </a:p>
+          <a:p>
+            <a:r>
+              <a:rPr lang="en-US"/>
+              <a:t>Not to be reused without permission</a:t>
+            </a:r>
+          </a:p>
+          <a:p>
+            <a:r>
+              <a:rPr lang="en-US"/>
+              <a:t>University of Salford Computing Society 2018</a:t>
+            </a:r>
+            <a:endParaRPr lang="en-US" dirty="0"/>
+          </a:p>
+        </p:txBody>
+      </p:sp>
     </p:spTree>
     <p:extLst>
       <p:ext uri="{BB962C8B-B14F-4D97-AF65-F5344CB8AC3E}">
@@ -9404,6 +10410,47 @@
               <a:buNone/>
             </a:pPr>
             <a:endParaRPr lang="en-GB" i="1" dirty="0"/>
+          </a:p>
+        </p:txBody>
+      </p:sp>
+      <p:sp>
+        <p:nvSpPr>
+          <p:cNvPr id="5" name="Footer Placeholder 4">
+            <a:extLst>
+              <a:ext uri="{FF2B5EF4-FFF2-40B4-BE49-F238E27FC236}">
+                <a16:creationId xmlns:a16="http://schemas.microsoft.com/office/drawing/2014/main" id="{9F4448BF-2D1C-41B4-92AC-856D8927E8E2}"/>
+              </a:ext>
+            </a:extLst>
+          </p:cNvPr>
+          <p:cNvSpPr>
+            <a:spLocks noGrp="1"/>
+          </p:cNvSpPr>
+          <p:nvPr>
+            <p:ph type="ftr" sz="quarter" idx="11"/>
+          </p:nvPr>
+        </p:nvSpPr>
+        <p:spPr/>
+        <p:txBody>
+          <a:bodyPr/>
+          <a:lstStyle/>
+          <a:p>
+            <a:r>
+              <a:rPr lang="en-US"/>
+              <a:t>Author : Samuel Jones</a:t>
+            </a:r>
+          </a:p>
+          <a:p>
+            <a:r>
+              <a:rPr lang="en-US"/>
+              <a:t>Not to be reused without permission</a:t>
+            </a:r>
+          </a:p>
+          <a:p>
+            <a:r>
+              <a:rPr lang="en-US"/>
+              <a:t>University of Salford Computing Society 2018</a:t>
+            </a:r>
+            <a:endParaRPr lang="en-US" dirty="0"/>
           </a:p>
         </p:txBody>
       </p:sp>
@@ -10201,6 +11248,47 @@
           </a:p>
         </p:txBody>
       </p:sp>
+      <p:sp>
+        <p:nvSpPr>
+          <p:cNvPr id="4" name="Footer Placeholder 3">
+            <a:extLst>
+              <a:ext uri="{FF2B5EF4-FFF2-40B4-BE49-F238E27FC236}">
+                <a16:creationId xmlns:a16="http://schemas.microsoft.com/office/drawing/2014/main" id="{10BAE788-DA64-4847-B875-8C4E94E0276E}"/>
+              </a:ext>
+            </a:extLst>
+          </p:cNvPr>
+          <p:cNvSpPr>
+            <a:spLocks noGrp="1"/>
+          </p:cNvSpPr>
+          <p:nvPr>
+            <p:ph type="ftr" sz="quarter" idx="11"/>
+          </p:nvPr>
+        </p:nvSpPr>
+        <p:spPr/>
+        <p:txBody>
+          <a:bodyPr/>
+          <a:lstStyle/>
+          <a:p>
+            <a:r>
+              <a:rPr lang="en-US"/>
+              <a:t>Author : Samuel Jones</a:t>
+            </a:r>
+          </a:p>
+          <a:p>
+            <a:r>
+              <a:rPr lang="en-US"/>
+              <a:t>Not to be reused without permission</a:t>
+            </a:r>
+          </a:p>
+          <a:p>
+            <a:r>
+              <a:rPr lang="en-US"/>
+              <a:t>University of Salford Computing Society 2018</a:t>
+            </a:r>
+            <a:endParaRPr lang="en-US" dirty="0"/>
+          </a:p>
+        </p:txBody>
+      </p:sp>
     </p:spTree>
     <p:extLst>
       <p:ext uri="{BB962C8B-B14F-4D97-AF65-F5344CB8AC3E}">
@@ -11201,6 +12289,47 @@
           </a:prstGeom>
         </p:spPr>
       </p:pic>
+      <p:sp>
+        <p:nvSpPr>
+          <p:cNvPr id="2" name="Footer Placeholder 1">
+            <a:extLst>
+              <a:ext uri="{FF2B5EF4-FFF2-40B4-BE49-F238E27FC236}">
+                <a16:creationId xmlns:a16="http://schemas.microsoft.com/office/drawing/2014/main" id="{DABE314E-8FC0-46F3-B8C6-BB33C9EE2459}"/>
+              </a:ext>
+            </a:extLst>
+          </p:cNvPr>
+          <p:cNvSpPr>
+            <a:spLocks noGrp="1"/>
+          </p:cNvSpPr>
+          <p:nvPr>
+            <p:ph type="ftr" sz="quarter" idx="11"/>
+          </p:nvPr>
+        </p:nvSpPr>
+        <p:spPr/>
+        <p:txBody>
+          <a:bodyPr/>
+          <a:lstStyle/>
+          <a:p>
+            <a:r>
+              <a:rPr lang="en-US"/>
+              <a:t>Author : Samuel Jones</a:t>
+            </a:r>
+          </a:p>
+          <a:p>
+            <a:r>
+              <a:rPr lang="en-US"/>
+              <a:t>Not to be reused without permission</a:t>
+            </a:r>
+          </a:p>
+          <a:p>
+            <a:r>
+              <a:rPr lang="en-US"/>
+              <a:t>University of Salford Computing Society 2018</a:t>
+            </a:r>
+            <a:endParaRPr lang="en-US" dirty="0"/>
+          </a:p>
+        </p:txBody>
+      </p:sp>
     </p:spTree>
     <p:extLst>
       <p:ext uri="{BB962C8B-B14F-4D97-AF65-F5344CB8AC3E}">
@@ -11293,6 +12422,47 @@
               <a:buNone/>
             </a:pPr>
             <a:endParaRPr lang="en-GB" dirty="0"/>
+          </a:p>
+        </p:txBody>
+      </p:sp>
+      <p:sp>
+        <p:nvSpPr>
+          <p:cNvPr id="4" name="Footer Placeholder 3">
+            <a:extLst>
+              <a:ext uri="{FF2B5EF4-FFF2-40B4-BE49-F238E27FC236}">
+                <a16:creationId xmlns:a16="http://schemas.microsoft.com/office/drawing/2014/main" id="{53B0D74C-F227-4981-BA26-AA672B289EED}"/>
+              </a:ext>
+            </a:extLst>
+          </p:cNvPr>
+          <p:cNvSpPr>
+            <a:spLocks noGrp="1"/>
+          </p:cNvSpPr>
+          <p:nvPr>
+            <p:ph type="ftr" sz="quarter" idx="11"/>
+          </p:nvPr>
+        </p:nvSpPr>
+        <p:spPr/>
+        <p:txBody>
+          <a:bodyPr/>
+          <a:lstStyle/>
+          <a:p>
+            <a:r>
+              <a:rPr lang="en-US"/>
+              <a:t>Author : Samuel Jones</a:t>
+            </a:r>
+          </a:p>
+          <a:p>
+            <a:r>
+              <a:rPr lang="en-US"/>
+              <a:t>Not to be reused without permission</a:t>
+            </a:r>
+          </a:p>
+          <a:p>
+            <a:r>
+              <a:rPr lang="en-US"/>
+              <a:t>University of Salford Computing Society 2018</a:t>
+            </a:r>
+            <a:endParaRPr lang="en-US" dirty="0"/>
           </a:p>
         </p:txBody>
       </p:sp>
@@ -11479,6 +12649,47 @@
           </a:sp3d>
         </p:spPr>
       </p:pic>
+      <p:sp>
+        <p:nvSpPr>
+          <p:cNvPr id="4" name="Footer Placeholder 3">
+            <a:extLst>
+              <a:ext uri="{FF2B5EF4-FFF2-40B4-BE49-F238E27FC236}">
+                <a16:creationId xmlns:a16="http://schemas.microsoft.com/office/drawing/2014/main" id="{E9EED982-9A12-4850-88C0-0F920710FE92}"/>
+              </a:ext>
+            </a:extLst>
+          </p:cNvPr>
+          <p:cNvSpPr>
+            <a:spLocks noGrp="1"/>
+          </p:cNvSpPr>
+          <p:nvPr>
+            <p:ph type="ftr" sz="quarter" idx="11"/>
+          </p:nvPr>
+        </p:nvSpPr>
+        <p:spPr/>
+        <p:txBody>
+          <a:bodyPr/>
+          <a:lstStyle/>
+          <a:p>
+            <a:r>
+              <a:rPr lang="en-US"/>
+              <a:t>Author : Samuel Jones</a:t>
+            </a:r>
+          </a:p>
+          <a:p>
+            <a:r>
+              <a:rPr lang="en-US"/>
+              <a:t>Not to be reused without permission</a:t>
+            </a:r>
+          </a:p>
+          <a:p>
+            <a:r>
+              <a:rPr lang="en-US"/>
+              <a:t>University of Salford Computing Society 2018</a:t>
+            </a:r>
+            <a:endParaRPr lang="en-US" dirty="0"/>
+          </a:p>
+        </p:txBody>
+      </p:sp>
     </p:spTree>
     <p:extLst>
       <p:ext uri="{BB962C8B-B14F-4D97-AF65-F5344CB8AC3E}">
@@ -11698,6 +12909,47 @@
           </a:p>
         </p:txBody>
       </p:sp>
+      <p:sp>
+        <p:nvSpPr>
+          <p:cNvPr id="4" name="Footer Placeholder 3">
+            <a:extLst>
+              <a:ext uri="{FF2B5EF4-FFF2-40B4-BE49-F238E27FC236}">
+                <a16:creationId xmlns:a16="http://schemas.microsoft.com/office/drawing/2014/main" id="{1F5CAA71-5B01-471A-86C0-CB12DD219913}"/>
+              </a:ext>
+            </a:extLst>
+          </p:cNvPr>
+          <p:cNvSpPr>
+            <a:spLocks noGrp="1"/>
+          </p:cNvSpPr>
+          <p:nvPr>
+            <p:ph type="ftr" sz="quarter" idx="11"/>
+          </p:nvPr>
+        </p:nvSpPr>
+        <p:spPr/>
+        <p:txBody>
+          <a:bodyPr/>
+          <a:lstStyle/>
+          <a:p>
+            <a:r>
+              <a:rPr lang="en-US"/>
+              <a:t>Author : Samuel Jones</a:t>
+            </a:r>
+          </a:p>
+          <a:p>
+            <a:r>
+              <a:rPr lang="en-US"/>
+              <a:t>Not to be reused without permission</a:t>
+            </a:r>
+          </a:p>
+          <a:p>
+            <a:r>
+              <a:rPr lang="en-US"/>
+              <a:t>University of Salford Computing Society 2018</a:t>
+            </a:r>
+            <a:endParaRPr lang="en-US" dirty="0"/>
+          </a:p>
+        </p:txBody>
+      </p:sp>
     </p:spTree>
     <p:extLst>
       <p:ext uri="{BB962C8B-B14F-4D97-AF65-F5344CB8AC3E}">
@@ -11996,6 +13248,47 @@
           </a:p>
         </p:txBody>
       </p:sp>
+      <p:sp>
+        <p:nvSpPr>
+          <p:cNvPr id="4" name="Footer Placeholder 3">
+            <a:extLst>
+              <a:ext uri="{FF2B5EF4-FFF2-40B4-BE49-F238E27FC236}">
+                <a16:creationId xmlns:a16="http://schemas.microsoft.com/office/drawing/2014/main" id="{3A65C8F9-62E4-4F89-B4AD-3A9FF0B39E8E}"/>
+              </a:ext>
+            </a:extLst>
+          </p:cNvPr>
+          <p:cNvSpPr>
+            <a:spLocks noGrp="1"/>
+          </p:cNvSpPr>
+          <p:nvPr>
+            <p:ph type="ftr" sz="quarter" idx="11"/>
+          </p:nvPr>
+        </p:nvSpPr>
+        <p:spPr/>
+        <p:txBody>
+          <a:bodyPr/>
+          <a:lstStyle/>
+          <a:p>
+            <a:r>
+              <a:rPr lang="en-US"/>
+              <a:t>Author : Samuel Jones</a:t>
+            </a:r>
+          </a:p>
+          <a:p>
+            <a:r>
+              <a:rPr lang="en-US"/>
+              <a:t>Not to be reused without permission</a:t>
+            </a:r>
+          </a:p>
+          <a:p>
+            <a:r>
+              <a:rPr lang="en-US"/>
+              <a:t>University of Salford Computing Society 2018</a:t>
+            </a:r>
+            <a:endParaRPr lang="en-US" dirty="0"/>
+          </a:p>
+        </p:txBody>
+      </p:sp>
     </p:spTree>
     <p:extLst>
       <p:ext uri="{BB962C8B-B14F-4D97-AF65-F5344CB8AC3E}">
@@ -12260,6 +13553,47 @@
               <a:buNone/>
             </a:pPr>
             <a:endParaRPr lang="en-GB" sz="1200" dirty="0"/>
+          </a:p>
+        </p:txBody>
+      </p:sp>
+      <p:sp>
+        <p:nvSpPr>
+          <p:cNvPr id="4" name="Footer Placeholder 3">
+            <a:extLst>
+              <a:ext uri="{FF2B5EF4-FFF2-40B4-BE49-F238E27FC236}">
+                <a16:creationId xmlns:a16="http://schemas.microsoft.com/office/drawing/2014/main" id="{C73725BD-A741-4D63-88A5-DE370FC7F49B}"/>
+              </a:ext>
+            </a:extLst>
+          </p:cNvPr>
+          <p:cNvSpPr>
+            <a:spLocks noGrp="1"/>
+          </p:cNvSpPr>
+          <p:nvPr>
+            <p:ph type="ftr" sz="quarter" idx="11"/>
+          </p:nvPr>
+        </p:nvSpPr>
+        <p:spPr/>
+        <p:txBody>
+          <a:bodyPr/>
+          <a:lstStyle/>
+          <a:p>
+            <a:r>
+              <a:rPr lang="en-US"/>
+              <a:t>Author : Samuel Jones</a:t>
+            </a:r>
+          </a:p>
+          <a:p>
+            <a:r>
+              <a:rPr lang="en-US"/>
+              <a:t>Not to be reused without permission</a:t>
+            </a:r>
+          </a:p>
+          <a:p>
+            <a:r>
+              <a:rPr lang="en-US"/>
+              <a:t>University of Salford Computing Society 2018</a:t>
+            </a:r>
+            <a:endParaRPr lang="en-US" dirty="0"/>
           </a:p>
         </p:txBody>
       </p:sp>
@@ -12670,6 +14004,47 @@
           </a:prstGeom>
         </p:spPr>
       </p:pic>
+      <p:sp>
+        <p:nvSpPr>
+          <p:cNvPr id="2" name="Footer Placeholder 1">
+            <a:extLst>
+              <a:ext uri="{FF2B5EF4-FFF2-40B4-BE49-F238E27FC236}">
+                <a16:creationId xmlns:a16="http://schemas.microsoft.com/office/drawing/2014/main" id="{593BF16A-F12B-46FD-82B4-4531690D7561}"/>
+              </a:ext>
+            </a:extLst>
+          </p:cNvPr>
+          <p:cNvSpPr>
+            <a:spLocks noGrp="1"/>
+          </p:cNvSpPr>
+          <p:nvPr>
+            <p:ph type="ftr" sz="quarter" idx="11"/>
+          </p:nvPr>
+        </p:nvSpPr>
+        <p:spPr/>
+        <p:txBody>
+          <a:bodyPr/>
+          <a:lstStyle/>
+          <a:p>
+            <a:r>
+              <a:rPr lang="en-US"/>
+              <a:t>Author : Samuel Jones</a:t>
+            </a:r>
+          </a:p>
+          <a:p>
+            <a:r>
+              <a:rPr lang="en-US"/>
+              <a:t>Not to be reused without permission</a:t>
+            </a:r>
+          </a:p>
+          <a:p>
+            <a:r>
+              <a:rPr lang="en-US"/>
+              <a:t>University of Salford Computing Society 2018</a:t>
+            </a:r>
+            <a:endParaRPr lang="en-US" dirty="0"/>
+          </a:p>
+        </p:txBody>
+      </p:sp>
     </p:spTree>
     <p:extLst>
       <p:ext uri="{BB962C8B-B14F-4D97-AF65-F5344CB8AC3E}">
@@ -12965,6 +14340,47 @@
               <a:buNone/>
             </a:pPr>
             <a:endParaRPr lang="en-GB" sz="1200" dirty="0"/>
+          </a:p>
+        </p:txBody>
+      </p:sp>
+      <p:sp>
+        <p:nvSpPr>
+          <p:cNvPr id="4" name="Footer Placeholder 3">
+            <a:extLst>
+              <a:ext uri="{FF2B5EF4-FFF2-40B4-BE49-F238E27FC236}">
+                <a16:creationId xmlns:a16="http://schemas.microsoft.com/office/drawing/2014/main" id="{78CE01FF-D559-4FF3-BE99-78C4032CCDB7}"/>
+              </a:ext>
+            </a:extLst>
+          </p:cNvPr>
+          <p:cNvSpPr>
+            <a:spLocks noGrp="1"/>
+          </p:cNvSpPr>
+          <p:nvPr>
+            <p:ph type="ftr" sz="quarter" idx="11"/>
+          </p:nvPr>
+        </p:nvSpPr>
+        <p:spPr/>
+        <p:txBody>
+          <a:bodyPr/>
+          <a:lstStyle/>
+          <a:p>
+            <a:r>
+              <a:rPr lang="en-US"/>
+              <a:t>Author : Samuel Jones</a:t>
+            </a:r>
+          </a:p>
+          <a:p>
+            <a:r>
+              <a:rPr lang="en-US"/>
+              <a:t>Not to be reused without permission</a:t>
+            </a:r>
+          </a:p>
+          <a:p>
+            <a:r>
+              <a:rPr lang="en-US"/>
+              <a:t>University of Salford Computing Society 2018</a:t>
+            </a:r>
+            <a:endParaRPr lang="en-US" dirty="0"/>
           </a:p>
         </p:txBody>
       </p:sp>
@@ -13375,6 +14791,47 @@
           </a:prstGeom>
         </p:spPr>
       </p:pic>
+      <p:sp>
+        <p:nvSpPr>
+          <p:cNvPr id="2" name="Footer Placeholder 1">
+            <a:extLst>
+              <a:ext uri="{FF2B5EF4-FFF2-40B4-BE49-F238E27FC236}">
+                <a16:creationId xmlns:a16="http://schemas.microsoft.com/office/drawing/2014/main" id="{99984A81-A75B-4E9F-9671-E3ADEBF6A8F1}"/>
+              </a:ext>
+            </a:extLst>
+          </p:cNvPr>
+          <p:cNvSpPr>
+            <a:spLocks noGrp="1"/>
+          </p:cNvSpPr>
+          <p:nvPr>
+            <p:ph type="ftr" sz="quarter" idx="11"/>
+          </p:nvPr>
+        </p:nvSpPr>
+        <p:spPr/>
+        <p:txBody>
+          <a:bodyPr/>
+          <a:lstStyle/>
+          <a:p>
+            <a:r>
+              <a:rPr lang="en-US"/>
+              <a:t>Author : Samuel Jones</a:t>
+            </a:r>
+          </a:p>
+          <a:p>
+            <a:r>
+              <a:rPr lang="en-US"/>
+              <a:t>Not to be reused without permission</a:t>
+            </a:r>
+          </a:p>
+          <a:p>
+            <a:r>
+              <a:rPr lang="en-US"/>
+              <a:t>University of Salford Computing Society 2018</a:t>
+            </a:r>
+            <a:endParaRPr lang="en-US" dirty="0"/>
+          </a:p>
+        </p:txBody>
+      </p:sp>
     </p:spTree>
     <p:extLst>
       <p:ext uri="{BB962C8B-B14F-4D97-AF65-F5344CB8AC3E}">
@@ -13510,6 +14967,47 @@
               <a:buNone/>
             </a:pPr>
             <a:endParaRPr lang="en-GB" dirty="0"/>
+          </a:p>
+        </p:txBody>
+      </p:sp>
+      <p:sp>
+        <p:nvSpPr>
+          <p:cNvPr id="4" name="Footer Placeholder 3">
+            <a:extLst>
+              <a:ext uri="{FF2B5EF4-FFF2-40B4-BE49-F238E27FC236}">
+                <a16:creationId xmlns:a16="http://schemas.microsoft.com/office/drawing/2014/main" id="{5E2560BD-501F-47DE-9466-14597544498D}"/>
+              </a:ext>
+            </a:extLst>
+          </p:cNvPr>
+          <p:cNvSpPr>
+            <a:spLocks noGrp="1"/>
+          </p:cNvSpPr>
+          <p:nvPr>
+            <p:ph type="ftr" sz="quarter" idx="11"/>
+          </p:nvPr>
+        </p:nvSpPr>
+        <p:spPr/>
+        <p:txBody>
+          <a:bodyPr/>
+          <a:lstStyle/>
+          <a:p>
+            <a:r>
+              <a:rPr lang="en-US"/>
+              <a:t>Author : Samuel Jones</a:t>
+            </a:r>
+          </a:p>
+          <a:p>
+            <a:r>
+              <a:rPr lang="en-US"/>
+              <a:t>Not to be reused without permission</a:t>
+            </a:r>
+          </a:p>
+          <a:p>
+            <a:r>
+              <a:rPr lang="en-US"/>
+              <a:t>University of Salford Computing Society 2018</a:t>
+            </a:r>
+            <a:endParaRPr lang="en-US" dirty="0"/>
           </a:p>
         </p:txBody>
       </p:sp>
@@ -14220,6 +15718,47 @@
           </a:p>
         </p:txBody>
       </p:sp>
+      <p:sp>
+        <p:nvSpPr>
+          <p:cNvPr id="4" name="Footer Placeholder 3">
+            <a:extLst>
+              <a:ext uri="{FF2B5EF4-FFF2-40B4-BE49-F238E27FC236}">
+                <a16:creationId xmlns:a16="http://schemas.microsoft.com/office/drawing/2014/main" id="{D462AC07-CBC6-4ECE-A29A-1AE49C39C922}"/>
+              </a:ext>
+            </a:extLst>
+          </p:cNvPr>
+          <p:cNvSpPr>
+            <a:spLocks noGrp="1"/>
+          </p:cNvSpPr>
+          <p:nvPr>
+            <p:ph type="ftr" sz="quarter" idx="11"/>
+          </p:nvPr>
+        </p:nvSpPr>
+        <p:spPr/>
+        <p:txBody>
+          <a:bodyPr/>
+          <a:lstStyle/>
+          <a:p>
+            <a:r>
+              <a:rPr lang="en-US"/>
+              <a:t>Author : Samuel Jones</a:t>
+            </a:r>
+          </a:p>
+          <a:p>
+            <a:r>
+              <a:rPr lang="en-US"/>
+              <a:t>Not to be reused without permission</a:t>
+            </a:r>
+          </a:p>
+          <a:p>
+            <a:r>
+              <a:rPr lang="en-US"/>
+              <a:t>University of Salford Computing Society 2018</a:t>
+            </a:r>
+            <a:endParaRPr lang="en-US" dirty="0"/>
+          </a:p>
+        </p:txBody>
+      </p:sp>
     </p:spTree>
     <p:extLst>
       <p:ext uri="{BB962C8B-B14F-4D97-AF65-F5344CB8AC3E}">
@@ -14657,6 +16196,47 @@
           </a:prstGeom>
         </p:spPr>
       </p:pic>
+      <p:sp>
+        <p:nvSpPr>
+          <p:cNvPr id="2" name="Footer Placeholder 1">
+            <a:extLst>
+              <a:ext uri="{FF2B5EF4-FFF2-40B4-BE49-F238E27FC236}">
+                <a16:creationId xmlns:a16="http://schemas.microsoft.com/office/drawing/2014/main" id="{1EE51A5E-13B3-4F64-93E8-45A24F640143}"/>
+              </a:ext>
+            </a:extLst>
+          </p:cNvPr>
+          <p:cNvSpPr>
+            <a:spLocks noGrp="1"/>
+          </p:cNvSpPr>
+          <p:nvPr>
+            <p:ph type="ftr" sz="quarter" idx="11"/>
+          </p:nvPr>
+        </p:nvSpPr>
+        <p:spPr/>
+        <p:txBody>
+          <a:bodyPr/>
+          <a:lstStyle/>
+          <a:p>
+            <a:r>
+              <a:rPr lang="en-US"/>
+              <a:t>Author : Samuel Jones</a:t>
+            </a:r>
+          </a:p>
+          <a:p>
+            <a:r>
+              <a:rPr lang="en-US"/>
+              <a:t>Not to be reused without permission</a:t>
+            </a:r>
+          </a:p>
+          <a:p>
+            <a:r>
+              <a:rPr lang="en-US"/>
+              <a:t>University of Salford Computing Society 2018</a:t>
+            </a:r>
+            <a:endParaRPr lang="en-US" dirty="0"/>
+          </a:p>
+        </p:txBody>
+      </p:sp>
     </p:spTree>
     <p:extLst>
       <p:ext uri="{BB962C8B-B14F-4D97-AF65-F5344CB8AC3E}">
@@ -14752,6 +16332,47 @@
               <a:rPr lang="en-GB" dirty="0"/>
               <a:t>One thing we can do with CSS is define an entire tag as one style. Instead of using a class I can assign all tr tags with one set css…</a:t>
             </a:r>
+          </a:p>
+        </p:txBody>
+      </p:sp>
+      <p:sp>
+        <p:nvSpPr>
+          <p:cNvPr id="4" name="Footer Placeholder 3">
+            <a:extLst>
+              <a:ext uri="{FF2B5EF4-FFF2-40B4-BE49-F238E27FC236}">
+                <a16:creationId xmlns:a16="http://schemas.microsoft.com/office/drawing/2014/main" id="{823B141E-9D7A-44AA-9270-78AA4438D777}"/>
+              </a:ext>
+            </a:extLst>
+          </p:cNvPr>
+          <p:cNvSpPr>
+            <a:spLocks noGrp="1"/>
+          </p:cNvSpPr>
+          <p:nvPr>
+            <p:ph type="ftr" sz="quarter" idx="11"/>
+          </p:nvPr>
+        </p:nvSpPr>
+        <p:spPr/>
+        <p:txBody>
+          <a:bodyPr/>
+          <a:lstStyle/>
+          <a:p>
+            <a:r>
+              <a:rPr lang="en-US"/>
+              <a:t>Author : Samuel Jones</a:t>
+            </a:r>
+          </a:p>
+          <a:p>
+            <a:r>
+              <a:rPr lang="en-US"/>
+              <a:t>Not to be reused without permission</a:t>
+            </a:r>
+          </a:p>
+          <a:p>
+            <a:r>
+              <a:rPr lang="en-US"/>
+              <a:t>University of Salford Computing Society 2018</a:t>
+            </a:r>
+            <a:endParaRPr lang="en-US" dirty="0"/>
           </a:p>
         </p:txBody>
       </p:sp>
@@ -15162,6 +16783,47 @@
           </a:prstGeom>
         </p:spPr>
       </p:pic>
+      <p:sp>
+        <p:nvSpPr>
+          <p:cNvPr id="2" name="Footer Placeholder 1">
+            <a:extLst>
+              <a:ext uri="{FF2B5EF4-FFF2-40B4-BE49-F238E27FC236}">
+                <a16:creationId xmlns:a16="http://schemas.microsoft.com/office/drawing/2014/main" id="{6640679C-CD4A-4896-8287-D6D10332FC59}"/>
+              </a:ext>
+            </a:extLst>
+          </p:cNvPr>
+          <p:cNvSpPr>
+            <a:spLocks noGrp="1"/>
+          </p:cNvSpPr>
+          <p:nvPr>
+            <p:ph type="ftr" sz="quarter" idx="11"/>
+          </p:nvPr>
+        </p:nvSpPr>
+        <p:spPr/>
+        <p:txBody>
+          <a:bodyPr/>
+          <a:lstStyle/>
+          <a:p>
+            <a:r>
+              <a:rPr lang="en-US"/>
+              <a:t>Author : Samuel Jones</a:t>
+            </a:r>
+          </a:p>
+          <a:p>
+            <a:r>
+              <a:rPr lang="en-US"/>
+              <a:t>Not to be reused without permission</a:t>
+            </a:r>
+          </a:p>
+          <a:p>
+            <a:r>
+              <a:rPr lang="en-US"/>
+              <a:t>University of Salford Computing Society 2018</a:t>
+            </a:r>
+            <a:endParaRPr lang="en-US" dirty="0"/>
+          </a:p>
+        </p:txBody>
+      </p:sp>
     </p:spTree>
     <p:extLst>
       <p:ext uri="{BB962C8B-B14F-4D97-AF65-F5344CB8AC3E}">
@@ -15260,6 +16922,47 @@
           </a:p>
         </p:txBody>
       </p:sp>
+      <p:sp>
+        <p:nvSpPr>
+          <p:cNvPr id="4" name="Footer Placeholder 3">
+            <a:extLst>
+              <a:ext uri="{FF2B5EF4-FFF2-40B4-BE49-F238E27FC236}">
+                <a16:creationId xmlns:a16="http://schemas.microsoft.com/office/drawing/2014/main" id="{CCC09795-5689-4070-B343-BB24AE8B15CE}"/>
+              </a:ext>
+            </a:extLst>
+          </p:cNvPr>
+          <p:cNvSpPr>
+            <a:spLocks noGrp="1"/>
+          </p:cNvSpPr>
+          <p:nvPr>
+            <p:ph type="ftr" sz="quarter" idx="11"/>
+          </p:nvPr>
+        </p:nvSpPr>
+        <p:spPr/>
+        <p:txBody>
+          <a:bodyPr/>
+          <a:lstStyle/>
+          <a:p>
+            <a:r>
+              <a:rPr lang="en-US"/>
+              <a:t>Author : Samuel Jones</a:t>
+            </a:r>
+          </a:p>
+          <a:p>
+            <a:r>
+              <a:rPr lang="en-US"/>
+              <a:t>Not to be reused without permission</a:t>
+            </a:r>
+          </a:p>
+          <a:p>
+            <a:r>
+              <a:rPr lang="en-US"/>
+              <a:t>University of Salford Computing Society 2018</a:t>
+            </a:r>
+            <a:endParaRPr lang="en-US" dirty="0"/>
+          </a:p>
+        </p:txBody>
+      </p:sp>
     </p:spTree>
     <p:extLst>
       <p:ext uri="{BB962C8B-B14F-4D97-AF65-F5344CB8AC3E}">
@@ -15344,7 +17047,7 @@
             </a:pPr>
             <a:r>
               <a:rPr lang="en-GB" dirty="0"/>
-              <a:t>Next week we will be creating a login page and be focusing sending data between the site and a database using PHP!</a:t>
+              <a:t>Next week we will be creating a survey form and be focusing sending data between two pages using PHP!</a:t>
             </a:r>
           </a:p>
         </p:txBody>
@@ -15371,14 +17074,55 @@
         </p:blipFill>
         <p:spPr>
           <a:xfrm rot="901732">
-            <a:off x="6169945" y="3120853"/>
-            <a:ext cx="4925541" cy="2659792"/>
+            <a:off x="6697766" y="3190477"/>
+            <a:ext cx="4424243" cy="2389091"/>
           </a:xfrm>
           <a:prstGeom prst="rect">
             <a:avLst/>
           </a:prstGeom>
         </p:spPr>
       </p:pic>
+      <p:sp>
+        <p:nvSpPr>
+          <p:cNvPr id="4" name="Footer Placeholder 3">
+            <a:extLst>
+              <a:ext uri="{FF2B5EF4-FFF2-40B4-BE49-F238E27FC236}">
+                <a16:creationId xmlns:a16="http://schemas.microsoft.com/office/drawing/2014/main" id="{1413A178-0298-4800-8D8F-FB7ECB24A609}"/>
+              </a:ext>
+            </a:extLst>
+          </p:cNvPr>
+          <p:cNvSpPr>
+            <a:spLocks noGrp="1"/>
+          </p:cNvSpPr>
+          <p:nvPr>
+            <p:ph type="ftr" sz="quarter" idx="11"/>
+          </p:nvPr>
+        </p:nvSpPr>
+        <p:spPr/>
+        <p:txBody>
+          <a:bodyPr/>
+          <a:lstStyle/>
+          <a:p>
+            <a:r>
+              <a:rPr lang="en-US"/>
+              <a:t>Author : Samuel Jones</a:t>
+            </a:r>
+          </a:p>
+          <a:p>
+            <a:r>
+              <a:rPr lang="en-US"/>
+              <a:t>Not to be reused without permission</a:t>
+            </a:r>
+          </a:p>
+          <a:p>
+            <a:r>
+              <a:rPr lang="en-US"/>
+              <a:t>University of Salford Computing Society 2018</a:t>
+            </a:r>
+            <a:endParaRPr lang="en-US" dirty="0"/>
+          </a:p>
+        </p:txBody>
+      </p:sp>
     </p:spTree>
     <p:extLst>
       <p:ext uri="{BB962C8B-B14F-4D97-AF65-F5344CB8AC3E}">
@@ -15389,6 +17133,135 @@
   <p:clrMapOvr>
     <a:masterClrMapping/>
   </p:clrMapOvr>
+  <p:timing>
+    <p:tnLst>
+      <p:par>
+        <p:cTn id="1" dur="indefinite" restart="never" nodeType="tmRoot">
+          <p:childTnLst>
+            <p:seq concurrent="1" nextAc="seek">
+              <p:cTn id="2" dur="indefinite" nodeType="mainSeq">
+                <p:childTnLst>
+                  <p:par>
+                    <p:cTn id="3" fill="hold">
+                      <p:stCondLst>
+                        <p:cond delay="indefinite"/>
+                      </p:stCondLst>
+                      <p:childTnLst>
+                        <p:par>
+                          <p:cTn id="4" fill="hold">
+                            <p:stCondLst>
+                              <p:cond delay="0"/>
+                            </p:stCondLst>
+                            <p:childTnLst>
+                              <p:par>
+                                <p:cTn id="5" presetID="53" presetClass="entr" presetSubtype="16" fill="hold" nodeType="clickEffect">
+                                  <p:stCondLst>
+                                    <p:cond delay="0"/>
+                                  </p:stCondLst>
+                                  <p:childTnLst>
+                                    <p:set>
+                                      <p:cBhvr>
+                                        <p:cTn id="6" dur="1" fill="hold">
+                                          <p:stCondLst>
+                                            <p:cond delay="0"/>
+                                          </p:stCondLst>
+                                        </p:cTn>
+                                        <p:tgtEl>
+                                          <p:spTgt spid="5"/>
+                                        </p:tgtEl>
+                                        <p:attrNameLst>
+                                          <p:attrName>style.visibility</p:attrName>
+                                        </p:attrNameLst>
+                                      </p:cBhvr>
+                                      <p:to>
+                                        <p:strVal val="visible"/>
+                                      </p:to>
+                                    </p:set>
+                                    <p:anim calcmode="lin" valueType="num">
+                                      <p:cBhvr>
+                                        <p:cTn id="7" dur="500" fill="hold"/>
+                                        <p:tgtEl>
+                                          <p:spTgt spid="5"/>
+                                        </p:tgtEl>
+                                        <p:attrNameLst>
+                                          <p:attrName>ppt_w</p:attrName>
+                                        </p:attrNameLst>
+                                      </p:cBhvr>
+                                      <p:tavLst>
+                                        <p:tav tm="0">
+                                          <p:val>
+                                            <p:fltVal val="0"/>
+                                          </p:val>
+                                        </p:tav>
+                                        <p:tav tm="100000">
+                                          <p:val>
+                                            <p:strVal val="#ppt_w"/>
+                                          </p:val>
+                                        </p:tav>
+                                      </p:tavLst>
+                                    </p:anim>
+                                    <p:anim calcmode="lin" valueType="num">
+                                      <p:cBhvr>
+                                        <p:cTn id="8" dur="500" fill="hold"/>
+                                        <p:tgtEl>
+                                          <p:spTgt spid="5"/>
+                                        </p:tgtEl>
+                                        <p:attrNameLst>
+                                          <p:attrName>ppt_h</p:attrName>
+                                        </p:attrNameLst>
+                                      </p:cBhvr>
+                                      <p:tavLst>
+                                        <p:tav tm="0">
+                                          <p:val>
+                                            <p:fltVal val="0"/>
+                                          </p:val>
+                                        </p:tav>
+                                        <p:tav tm="100000">
+                                          <p:val>
+                                            <p:strVal val="#ppt_h"/>
+                                          </p:val>
+                                        </p:tav>
+                                      </p:tavLst>
+                                    </p:anim>
+                                    <p:animEffect transition="in" filter="fade">
+                                      <p:cBhvr>
+                                        <p:cTn id="9" dur="500"/>
+                                        <p:tgtEl>
+                                          <p:spTgt spid="5"/>
+                                        </p:tgtEl>
+                                      </p:cBhvr>
+                                    </p:animEffect>
+                                  </p:childTnLst>
+                                </p:cTn>
+                              </p:par>
+                            </p:childTnLst>
+                          </p:cTn>
+                        </p:par>
+                      </p:childTnLst>
+                    </p:cTn>
+                  </p:par>
+                </p:childTnLst>
+              </p:cTn>
+              <p:prevCondLst>
+                <p:cond evt="onPrev" delay="0">
+                  <p:tgtEl>
+                    <p:sldTgt/>
+                  </p:tgtEl>
+                </p:cond>
+              </p:prevCondLst>
+              <p:nextCondLst>
+                <p:cond evt="onNext" delay="0">
+                  <p:tgtEl>
+                    <p:sldTgt/>
+                  </p:tgtEl>
+                </p:cond>
+              </p:nextCondLst>
+            </p:seq>
+          </p:childTnLst>
+        </p:cTn>
+      </p:par>
+    </p:tnLst>
+  </p:timing>
 </p:sld>
 </file>
 
@@ -15455,7 +17328,9 @@
         </p:nvSpPr>
         <p:spPr/>
         <p:txBody>
-          <a:bodyPr/>
+          <a:bodyPr>
+            <a:normAutofit/>
+          </a:bodyPr>
           <a:lstStyle/>
           <a:p>
             <a:pPr marL="0" indent="0">
@@ -15470,49 +17345,82 @@
             <a:pPr marL="0" indent="0">
               <a:buNone/>
             </a:pPr>
-            <a:r>
-              <a:rPr lang="en-GB" dirty="0"/>
+            <a:endParaRPr lang="en-GB" dirty="0"/>
+          </a:p>
+          <a:p>
+            <a:pPr marL="0" indent="0">
+              <a:buNone/>
+            </a:pPr>
+            <a:endParaRPr lang="en-GB" dirty="0"/>
+          </a:p>
+          <a:p>
+            <a:pPr marL="0" indent="0">
+              <a:buNone/>
+            </a:pPr>
+            <a:endParaRPr lang="en-GB" dirty="0"/>
+          </a:p>
+          <a:p>
+            <a:pPr marL="0" indent="0">
+              <a:buNone/>
+            </a:pPr>
+            <a:endParaRPr lang="en-GB" dirty="0"/>
+          </a:p>
+          <a:p>
+            <a:pPr marL="0" indent="0">
+              <a:lnSpc>
+                <a:spcPct val="50000"/>
+              </a:lnSpc>
+              <a:buNone/>
+            </a:pPr>
+            <a:r>
+              <a:rPr lang="en-GB" sz="1400" dirty="0"/>
               <a:t>Github - </a:t>
             </a:r>
             <a:r>
-              <a:rPr lang="en-GB" dirty="0">
+              <a:rPr lang="en-GB" sz="1400" dirty="0">
                 <a:hlinkClick r:id="rId2"/>
               </a:rPr>
               <a:t>https://github.com/SamJones01</a:t>
             </a:r>
-            <a:endParaRPr lang="en-GB" dirty="0"/>
+            <a:endParaRPr lang="en-GB" sz="1400" dirty="0"/>
           </a:p>
           <a:p>
             <a:pPr marL="0" indent="0">
+              <a:lnSpc>
+                <a:spcPct val="50000"/>
+              </a:lnSpc>
               <a:buNone/>
             </a:pPr>
             <a:r>
-              <a:rPr lang="en-GB" dirty="0"/>
+              <a:rPr lang="en-GB" sz="1400" dirty="0"/>
               <a:t>Twitter - </a:t>
             </a:r>
             <a:r>
-              <a:rPr lang="en-GB" dirty="0">
+              <a:rPr lang="en-GB" sz="1400" dirty="0">
                 <a:hlinkClick r:id="rId3"/>
               </a:rPr>
               <a:t>https://twitter.com/uoscompsoc</a:t>
             </a:r>
-            <a:endParaRPr lang="en-GB" dirty="0"/>
+            <a:endParaRPr lang="en-GB" sz="1400" dirty="0"/>
           </a:p>
           <a:p>
             <a:pPr marL="0" indent="0">
+              <a:lnSpc>
+                <a:spcPct val="50000"/>
+              </a:lnSpc>
               <a:buNone/>
             </a:pPr>
             <a:r>
-              <a:rPr lang="en-GB" dirty="0"/>
+              <a:rPr lang="en-GB" sz="1400" dirty="0"/>
               <a:t>Students Union - </a:t>
             </a:r>
             <a:r>
-              <a:rPr lang="en-GB" dirty="0">
+              <a:rPr lang="en-GB" sz="1400" dirty="0">
                 <a:hlinkClick r:id="rId4"/>
               </a:rPr>
               <a:t>https://www.salfordstudents.com/groups/computing</a:t>
             </a:r>
-            <a:endParaRPr lang="en-GB" dirty="0"/>
+            <a:endParaRPr lang="en-GB" sz="1400" dirty="0"/>
           </a:p>
           <a:p>
             <a:pPr marL="0" indent="0">
@@ -15522,6 +17430,137 @@
           </a:p>
         </p:txBody>
       </p:sp>
+      <p:sp>
+        <p:nvSpPr>
+          <p:cNvPr id="4" name="Footer Placeholder 3">
+            <a:extLst>
+              <a:ext uri="{FF2B5EF4-FFF2-40B4-BE49-F238E27FC236}">
+                <a16:creationId xmlns:a16="http://schemas.microsoft.com/office/drawing/2014/main" id="{1F96D2E1-BC96-4E2C-A2E8-DD84F55A5972}"/>
+              </a:ext>
+            </a:extLst>
+          </p:cNvPr>
+          <p:cNvSpPr>
+            <a:spLocks noGrp="1"/>
+          </p:cNvSpPr>
+          <p:nvPr>
+            <p:ph type="ftr" sz="quarter" idx="11"/>
+          </p:nvPr>
+        </p:nvSpPr>
+        <p:spPr/>
+        <p:txBody>
+          <a:bodyPr/>
+          <a:lstStyle/>
+          <a:p>
+            <a:r>
+              <a:rPr lang="en-US"/>
+              <a:t>Author : Samuel Jones</a:t>
+            </a:r>
+          </a:p>
+          <a:p>
+            <a:r>
+              <a:rPr lang="en-US"/>
+              <a:t>Not to be reused without permission</a:t>
+            </a:r>
+          </a:p>
+          <a:p>
+            <a:r>
+              <a:rPr lang="en-US"/>
+              <a:t>University of Salford Computing Society 2018</a:t>
+            </a:r>
+            <a:endParaRPr lang="en-US" dirty="0"/>
+          </a:p>
+        </p:txBody>
+      </p:sp>
+      <p:pic>
+        <p:nvPicPr>
+          <p:cNvPr id="6" name="Picture 5">
+            <a:extLst>
+              <a:ext uri="{FF2B5EF4-FFF2-40B4-BE49-F238E27FC236}">
+                <a16:creationId xmlns:a16="http://schemas.microsoft.com/office/drawing/2014/main" id="{3F94BD76-7D77-4641-A3D4-0416230AEB26}"/>
+              </a:ext>
+            </a:extLst>
+          </p:cNvPr>
+          <p:cNvPicPr>
+            <a:picLocks noChangeAspect="1"/>
+          </p:cNvPicPr>
+          <p:nvPr/>
+        </p:nvPicPr>
+        <p:blipFill>
+          <a:blip r:embed="rId5"/>
+          <a:stretch>
+            <a:fillRect/>
+          </a:stretch>
+        </p:blipFill>
+        <p:spPr>
+          <a:xfrm>
+            <a:off x="1516177" y="3001922"/>
+            <a:ext cx="1495434" cy="1495434"/>
+          </a:xfrm>
+          <a:prstGeom prst="rect">
+            <a:avLst/>
+          </a:prstGeom>
+        </p:spPr>
+      </p:pic>
+      <p:pic>
+        <p:nvPicPr>
+          <p:cNvPr id="8" name="Picture 7">
+            <a:extLst>
+              <a:ext uri="{FF2B5EF4-FFF2-40B4-BE49-F238E27FC236}">
+                <a16:creationId xmlns:a16="http://schemas.microsoft.com/office/drawing/2014/main" id="{899172E9-A3B6-4E2B-8F17-C6EE3F1CE6A1}"/>
+              </a:ext>
+            </a:extLst>
+          </p:cNvPr>
+          <p:cNvPicPr>
+            <a:picLocks noChangeAspect="1"/>
+          </p:cNvPicPr>
+          <p:nvPr/>
+        </p:nvPicPr>
+        <p:blipFill>
+          <a:blip r:embed="rId6"/>
+          <a:stretch>
+            <a:fillRect/>
+          </a:stretch>
+        </p:blipFill>
+        <p:spPr>
+          <a:xfrm>
+            <a:off x="3614014" y="3001922"/>
+            <a:ext cx="1837964" cy="1495434"/>
+          </a:xfrm>
+          <a:prstGeom prst="rect">
+            <a:avLst/>
+          </a:prstGeom>
+        </p:spPr>
+      </p:pic>
+      <p:pic>
+        <p:nvPicPr>
+          <p:cNvPr id="10" name="Picture 9">
+            <a:extLst>
+              <a:ext uri="{FF2B5EF4-FFF2-40B4-BE49-F238E27FC236}">
+                <a16:creationId xmlns:a16="http://schemas.microsoft.com/office/drawing/2014/main" id="{B7EEE71B-D485-42D0-AC6F-2AA4FFF4D19E}"/>
+              </a:ext>
+            </a:extLst>
+          </p:cNvPr>
+          <p:cNvPicPr>
+            <a:picLocks noChangeAspect="1"/>
+          </p:cNvPicPr>
+          <p:nvPr/>
+        </p:nvPicPr>
+        <p:blipFill>
+          <a:blip r:embed="rId7"/>
+          <a:stretch>
+            <a:fillRect/>
+          </a:stretch>
+        </p:blipFill>
+        <p:spPr>
+          <a:xfrm>
+            <a:off x="6054381" y="3254552"/>
+            <a:ext cx="3895294" cy="1242804"/>
+          </a:xfrm>
+          <a:prstGeom prst="rect">
+            <a:avLst/>
+          </a:prstGeom>
+        </p:spPr>
+      </p:pic>
     </p:spTree>
     <p:extLst>
       <p:ext uri="{BB962C8B-B14F-4D97-AF65-F5344CB8AC3E}">
@@ -15532,6 +17571,9 @@
   <p:clrMapOvr>
     <a:masterClrMapping/>
   </p:clrMapOvr>
+  <p:transition spd="slow">
+    <p:push dir="u"/>
+  </p:transition>
 </p:sld>
 </file>
 
@@ -15685,6 +17727,47 @@
           </a:effectLst>
         </p:spPr>
       </p:pic>
+      <p:sp>
+        <p:nvSpPr>
+          <p:cNvPr id="4" name="Footer Placeholder 3">
+            <a:extLst>
+              <a:ext uri="{FF2B5EF4-FFF2-40B4-BE49-F238E27FC236}">
+                <a16:creationId xmlns:a16="http://schemas.microsoft.com/office/drawing/2014/main" id="{D1E3E9DF-487A-4878-B052-28B95D15B9A5}"/>
+              </a:ext>
+            </a:extLst>
+          </p:cNvPr>
+          <p:cNvSpPr>
+            <a:spLocks noGrp="1"/>
+          </p:cNvSpPr>
+          <p:nvPr>
+            <p:ph type="ftr" sz="quarter" idx="11"/>
+          </p:nvPr>
+        </p:nvSpPr>
+        <p:spPr/>
+        <p:txBody>
+          <a:bodyPr/>
+          <a:lstStyle/>
+          <a:p>
+            <a:r>
+              <a:rPr lang="en-US"/>
+              <a:t>Author : Samuel Jones</a:t>
+            </a:r>
+          </a:p>
+          <a:p>
+            <a:r>
+              <a:rPr lang="en-US"/>
+              <a:t>Not to be reused without permission</a:t>
+            </a:r>
+          </a:p>
+          <a:p>
+            <a:r>
+              <a:rPr lang="en-US"/>
+              <a:t>University of Salford Computing Society 2018</a:t>
+            </a:r>
+            <a:endParaRPr lang="en-US" dirty="0"/>
+          </a:p>
+        </p:txBody>
+      </p:sp>
     </p:spTree>
     <p:extLst>
       <p:ext uri="{BB962C8B-B14F-4D97-AF65-F5344CB8AC3E}">
@@ -15946,6 +18029,47 @@
           </a:p>
         </p:txBody>
       </p:sp>
+      <p:sp>
+        <p:nvSpPr>
+          <p:cNvPr id="4" name="Footer Placeholder 3">
+            <a:extLst>
+              <a:ext uri="{FF2B5EF4-FFF2-40B4-BE49-F238E27FC236}">
+                <a16:creationId xmlns:a16="http://schemas.microsoft.com/office/drawing/2014/main" id="{9AA82F0F-0DA7-4C78-91BE-E2814B378FF2}"/>
+              </a:ext>
+            </a:extLst>
+          </p:cNvPr>
+          <p:cNvSpPr>
+            <a:spLocks noGrp="1"/>
+          </p:cNvSpPr>
+          <p:nvPr>
+            <p:ph type="ftr" sz="quarter" idx="11"/>
+          </p:nvPr>
+        </p:nvSpPr>
+        <p:spPr/>
+        <p:txBody>
+          <a:bodyPr/>
+          <a:lstStyle/>
+          <a:p>
+            <a:r>
+              <a:rPr lang="en-US"/>
+              <a:t>Author : Samuel Jones</a:t>
+            </a:r>
+          </a:p>
+          <a:p>
+            <a:r>
+              <a:rPr lang="en-US"/>
+              <a:t>Not to be reused without permission</a:t>
+            </a:r>
+          </a:p>
+          <a:p>
+            <a:r>
+              <a:rPr lang="en-US"/>
+              <a:t>University of Salford Computing Society 2018</a:t>
+            </a:r>
+            <a:endParaRPr lang="en-US" dirty="0"/>
+          </a:p>
+        </p:txBody>
+      </p:sp>
     </p:spTree>
     <p:extLst>
       <p:ext uri="{BB962C8B-B14F-4D97-AF65-F5344CB8AC3E}">
@@ -16069,16 +18193,49 @@
             </a:pPr>
             <a:r>
               <a:rPr lang="en-GB" dirty="0"/>
-              <a:t>Like any html tag DOCTYPE is simply closed at the end of the document by using &lt;/</a:t>
-            </a:r>
-            <a:r>
-              <a:rPr lang="en-GB" cap="none" dirty="0"/>
-              <a:t>html</a:t>
-            </a:r>
-            <a:r>
-              <a:rPr lang="en-GB" dirty="0"/>
-              <a:t>&gt;.</a:t>
-            </a:r>
+              <a:t>Unlike most tags in html DOCTYPE does not have a closing tag.</a:t>
+            </a:r>
+          </a:p>
+        </p:txBody>
+      </p:sp>
+      <p:sp>
+        <p:nvSpPr>
+          <p:cNvPr id="4" name="Footer Placeholder 3">
+            <a:extLst>
+              <a:ext uri="{FF2B5EF4-FFF2-40B4-BE49-F238E27FC236}">
+                <a16:creationId xmlns:a16="http://schemas.microsoft.com/office/drawing/2014/main" id="{4931EDE3-D254-4B71-8B39-B52FD76DA5E7}"/>
+              </a:ext>
+            </a:extLst>
+          </p:cNvPr>
+          <p:cNvSpPr>
+            <a:spLocks noGrp="1"/>
+          </p:cNvSpPr>
+          <p:nvPr>
+            <p:ph type="ftr" sz="quarter" idx="11"/>
+          </p:nvPr>
+        </p:nvSpPr>
+        <p:spPr/>
+        <p:txBody>
+          <a:bodyPr/>
+          <a:lstStyle/>
+          <a:p>
+            <a:r>
+              <a:rPr lang="en-US"/>
+              <a:t>Author : Samuel Jones</a:t>
+            </a:r>
+          </a:p>
+          <a:p>
+            <a:r>
+              <a:rPr lang="en-US"/>
+              <a:t>Not to be reused without permission</a:t>
+            </a:r>
+          </a:p>
+          <a:p>
+            <a:r>
+              <a:rPr lang="en-US"/>
+              <a:t>University of Salford Computing Society 2018</a:t>
+            </a:r>
+            <a:endParaRPr lang="en-US" dirty="0"/>
           </a:p>
         </p:txBody>
       </p:sp>
@@ -16437,6 +18594,47 @@
           </a:p>
         </p:txBody>
       </p:sp>
+      <p:sp>
+        <p:nvSpPr>
+          <p:cNvPr id="4" name="Footer Placeholder 3">
+            <a:extLst>
+              <a:ext uri="{FF2B5EF4-FFF2-40B4-BE49-F238E27FC236}">
+                <a16:creationId xmlns:a16="http://schemas.microsoft.com/office/drawing/2014/main" id="{396A2D3A-9476-4615-9843-7C88F19E9420}"/>
+              </a:ext>
+            </a:extLst>
+          </p:cNvPr>
+          <p:cNvSpPr>
+            <a:spLocks noGrp="1"/>
+          </p:cNvSpPr>
+          <p:nvPr>
+            <p:ph type="ftr" sz="quarter" idx="11"/>
+          </p:nvPr>
+        </p:nvSpPr>
+        <p:spPr/>
+        <p:txBody>
+          <a:bodyPr/>
+          <a:lstStyle/>
+          <a:p>
+            <a:r>
+              <a:rPr lang="en-US"/>
+              <a:t>Author : Samuel Jones</a:t>
+            </a:r>
+          </a:p>
+          <a:p>
+            <a:r>
+              <a:rPr lang="en-US"/>
+              <a:t>Not to be reused without permission</a:t>
+            </a:r>
+          </a:p>
+          <a:p>
+            <a:r>
+              <a:rPr lang="en-US"/>
+              <a:t>University of Salford Computing Society 2018</a:t>
+            </a:r>
+            <a:endParaRPr lang="en-US" dirty="0"/>
+          </a:p>
+        </p:txBody>
+      </p:sp>
     </p:spTree>
     <p:extLst>
       <p:ext uri="{BB962C8B-B14F-4D97-AF65-F5344CB8AC3E}">
@@ -16768,6 +18966,47 @@
           </a:p>
         </p:txBody>
       </p:sp>
+      <p:sp>
+        <p:nvSpPr>
+          <p:cNvPr id="4" name="Footer Placeholder 3">
+            <a:extLst>
+              <a:ext uri="{FF2B5EF4-FFF2-40B4-BE49-F238E27FC236}">
+                <a16:creationId xmlns:a16="http://schemas.microsoft.com/office/drawing/2014/main" id="{073526CD-8A2D-435F-BCB2-EC59FA0AB845}"/>
+              </a:ext>
+            </a:extLst>
+          </p:cNvPr>
+          <p:cNvSpPr>
+            <a:spLocks noGrp="1"/>
+          </p:cNvSpPr>
+          <p:nvPr>
+            <p:ph type="ftr" sz="quarter" idx="11"/>
+          </p:nvPr>
+        </p:nvSpPr>
+        <p:spPr/>
+        <p:txBody>
+          <a:bodyPr/>
+          <a:lstStyle/>
+          <a:p>
+            <a:r>
+              <a:rPr lang="en-US"/>
+              <a:t>Author : Samuel Jones</a:t>
+            </a:r>
+          </a:p>
+          <a:p>
+            <a:r>
+              <a:rPr lang="en-US"/>
+              <a:t>Not to be reused without permission</a:t>
+            </a:r>
+          </a:p>
+          <a:p>
+            <a:r>
+              <a:rPr lang="en-US"/>
+              <a:t>University of Salford Computing Society 2018</a:t>
+            </a:r>
+            <a:endParaRPr lang="en-US" dirty="0"/>
+          </a:p>
+        </p:txBody>
+      </p:sp>
     </p:spTree>
     <p:extLst>
       <p:ext uri="{BB962C8B-B14F-4D97-AF65-F5344CB8AC3E}">
@@ -17011,6 +19250,47 @@
               <a:rPr lang="en-GB" sz="1200" cap="none" dirty="0"/>
               <a:t>= we are declaring that we shall encode characters in utf-8. This is the most common way of encoding in email and webpages.</a:t>
             </a:r>
+          </a:p>
+        </p:txBody>
+      </p:sp>
+      <p:sp>
+        <p:nvSpPr>
+          <p:cNvPr id="4" name="Footer Placeholder 3">
+            <a:extLst>
+              <a:ext uri="{FF2B5EF4-FFF2-40B4-BE49-F238E27FC236}">
+                <a16:creationId xmlns:a16="http://schemas.microsoft.com/office/drawing/2014/main" id="{F408CCFA-4716-44C5-9323-802278D729AD}"/>
+              </a:ext>
+            </a:extLst>
+          </p:cNvPr>
+          <p:cNvSpPr>
+            <a:spLocks noGrp="1"/>
+          </p:cNvSpPr>
+          <p:nvPr>
+            <p:ph type="ftr" sz="quarter" idx="11"/>
+          </p:nvPr>
+        </p:nvSpPr>
+        <p:spPr/>
+        <p:txBody>
+          <a:bodyPr/>
+          <a:lstStyle/>
+          <a:p>
+            <a:r>
+              <a:rPr lang="en-US"/>
+              <a:t>Author : Samuel Jones</a:t>
+            </a:r>
+          </a:p>
+          <a:p>
+            <a:r>
+              <a:rPr lang="en-US"/>
+              <a:t>Not to be reused without permission</a:t>
+            </a:r>
+          </a:p>
+          <a:p>
+            <a:r>
+              <a:rPr lang="en-US"/>
+              <a:t>University of Salford Computing Society 2018</a:t>
+            </a:r>
+            <a:endParaRPr lang="en-US" dirty="0"/>
           </a:p>
         </p:txBody>
       </p:sp>
@@ -17422,4 +19702,299 @@
     </a:ext>
   </a:extLst>
 </a:theme>
+</file>
+
+<file path=ppt/theme/theme2.xml><?xml version="1.0" encoding="utf-8"?>
+<a:theme xmlns:a="http://schemas.openxmlformats.org/drawingml/2006/main" name="Office Theme">
+  <a:themeElements>
+    <a:clrScheme name="Office">
+      <a:dk1>
+        <a:sysClr val="windowText" lastClr="000000"/>
+      </a:dk1>
+      <a:lt1>
+        <a:sysClr val="window" lastClr="FFFFFF"/>
+      </a:lt1>
+      <a:dk2>
+        <a:srgbClr val="44546A"/>
+      </a:dk2>
+      <a:lt2>
+        <a:srgbClr val="E7E6E6"/>
+      </a:lt2>
+      <a:accent1>
+        <a:srgbClr val="4472C4"/>
+      </a:accent1>
+      <a:accent2>
+        <a:srgbClr val="ED7D31"/>
+      </a:accent2>
+      <a:accent3>
+        <a:srgbClr val="A5A5A5"/>
+      </a:accent3>
+      <a:accent4>
+        <a:srgbClr val="FFC000"/>
+      </a:accent4>
+      <a:accent5>
+        <a:srgbClr val="5B9BD5"/>
+      </a:accent5>
+      <a:accent6>
+        <a:srgbClr val="70AD47"/>
+      </a:accent6>
+      <a:hlink>
+        <a:srgbClr val="0563C1"/>
+      </a:hlink>
+      <a:folHlink>
+        <a:srgbClr val="954F72"/>
+      </a:folHlink>
+    </a:clrScheme>
+    <a:fontScheme name="Office">
+      <a:majorFont>
+        <a:latin typeface="Calibri Light" panose="020F0302020204030204"/>
+        <a:ea typeface=""/>
+        <a:cs typeface=""/>
+        <a:font script="Jpan" typeface="游ゴシック Light"/>
+        <a:font script="Hang" typeface="맑은 고딕"/>
+        <a:font script="Hans" typeface="等线 Light"/>
+        <a:font script="Hant" typeface="新細明體"/>
+        <a:font script="Arab" typeface="Times New Roman"/>
+        <a:font script="Hebr" typeface="Times New Roman"/>
+        <a:font script="Thai" typeface="Angsana New"/>
+        <a:font script="Ethi" typeface="Nyala"/>
+        <a:font script="Beng" typeface="Vrinda"/>
+        <a:font script="Gujr" typeface="Shruti"/>
+        <a:font script="Khmr" typeface="MoolBoran"/>
+        <a:font script="Knda" typeface="Tunga"/>
+        <a:font script="Guru" typeface="Raavi"/>
+        <a:font script="Cans" typeface="Euphemia"/>
+        <a:font script="Cher" typeface="Plantagenet Cherokee"/>
+        <a:font script="Yiii" typeface="Microsoft Yi Baiti"/>
+        <a:font script="Tibt" typeface="Microsoft Himalaya"/>
+        <a:font script="Thaa" typeface="MV Boli"/>
+        <a:font script="Deva" typeface="Mangal"/>
+        <a:font script="Telu" typeface="Gautami"/>
+        <a:font script="Taml" typeface="Latha"/>
+        <a:font script="Syrc" typeface="Estrangelo Edessa"/>
+        <a:font script="Orya" typeface="Kalinga"/>
+        <a:font script="Mlym" typeface="Kartika"/>
+        <a:font script="Laoo" typeface="DokChampa"/>
+        <a:font script="Sinh" typeface="Iskoola Pota"/>
+        <a:font script="Mong" typeface="Mongolian Baiti"/>
+        <a:font script="Viet" typeface="Times New Roman"/>
+        <a:font script="Uigh" typeface="Microsoft Uighur"/>
+        <a:font script="Geor" typeface="Sylfaen"/>
+        <a:font script="Armn" typeface="Arial"/>
+        <a:font script="Bugi" typeface="Leelawadee UI"/>
+        <a:font script="Bopo" typeface="Microsoft JhengHei"/>
+        <a:font script="Java" typeface="Javanese Text"/>
+        <a:font script="Lisu" typeface="Segoe UI"/>
+        <a:font script="Mymr" typeface="Myanmar Text"/>
+        <a:font script="Nkoo" typeface="Ebrima"/>
+        <a:font script="Olck" typeface="Nirmala UI"/>
+        <a:font script="Osma" typeface="Ebrima"/>
+        <a:font script="Phag" typeface="Phagspa"/>
+        <a:font script="Syrn" typeface="Estrangelo Edessa"/>
+        <a:font script="Syrj" typeface="Estrangelo Edessa"/>
+        <a:font script="Syre" typeface="Estrangelo Edessa"/>
+        <a:font script="Sora" typeface="Nirmala UI"/>
+        <a:font script="Tale" typeface="Microsoft Tai Le"/>
+        <a:font script="Talu" typeface="Microsoft New Tai Lue"/>
+        <a:font script="Tfng" typeface="Ebrima"/>
+      </a:majorFont>
+      <a:minorFont>
+        <a:latin typeface="Calibri" panose="020F0502020204030204"/>
+        <a:ea typeface=""/>
+        <a:cs typeface=""/>
+        <a:font script="Jpan" typeface="游ゴシック"/>
+        <a:font script="Hang" typeface="맑은 고딕"/>
+        <a:font script="Hans" typeface="等线"/>
+        <a:font script="Hant" typeface="新細明體"/>
+        <a:font script="Arab" typeface="Arial"/>
+        <a:font script="Hebr" typeface="Arial"/>
+        <a:font script="Thai" typeface="Cordia New"/>
+        <a:font script="Ethi" typeface="Nyala"/>
+        <a:font script="Beng" typeface="Vrinda"/>
+        <a:font script="Gujr" typeface="Shruti"/>
+        <a:font script="Khmr" typeface="DaunPenh"/>
+        <a:font script="Knda" typeface="Tunga"/>
+        <a:font script="Guru" typeface="Raavi"/>
+        <a:font script="Cans" typeface="Euphemia"/>
+        <a:font script="Cher" typeface="Plantagenet Cherokee"/>
+        <a:font script="Yiii" typeface="Microsoft Yi Baiti"/>
+        <a:font script="Tibt" typeface="Microsoft Himalaya"/>
+        <a:font script="Thaa" typeface="MV Boli"/>
+        <a:font script="Deva" typeface="Mangal"/>
+        <a:font script="Telu" typeface="Gautami"/>
+        <a:font script="Taml" typeface="Latha"/>
+        <a:font script="Syrc" typeface="Estrangelo Edessa"/>
+        <a:font script="Orya" typeface="Kalinga"/>
+        <a:font script="Mlym" typeface="Kartika"/>
+        <a:font script="Laoo" typeface="DokChampa"/>
+        <a:font script="Sinh" typeface="Iskoola Pota"/>
+        <a:font script="Mong" typeface="Mongolian Baiti"/>
+        <a:font script="Viet" typeface="Arial"/>
+        <a:font script="Uigh" typeface="Microsoft Uighur"/>
+        <a:font script="Geor" typeface="Sylfaen"/>
+        <a:font script="Armn" typeface="Arial"/>
+        <a:font script="Bugi" typeface="Leelawadee UI"/>
+        <a:font script="Bopo" typeface="Microsoft JhengHei"/>
+        <a:font script="Java" typeface="Javanese Text"/>
+        <a:font script="Lisu" typeface="Segoe UI"/>
+        <a:font script="Mymr" typeface="Myanmar Text"/>
+        <a:font script="Nkoo" typeface="Ebrima"/>
+        <a:font script="Olck" typeface="Nirmala UI"/>
+        <a:font script="Osma" typeface="Ebrima"/>
+        <a:font script="Phag" typeface="Phagspa"/>
+        <a:font script="Syrn" typeface="Estrangelo Edessa"/>
+        <a:font script="Syrj" typeface="Estrangelo Edessa"/>
+        <a:font script="Syre" typeface="Estrangelo Edessa"/>
+        <a:font script="Sora" typeface="Nirmala UI"/>
+        <a:font script="Tale" typeface="Microsoft Tai Le"/>
+        <a:font script="Talu" typeface="Microsoft New Tai Lue"/>
+        <a:font script="Tfng" typeface="Ebrima"/>
+      </a:minorFont>
+    </a:fontScheme>
+    <a:fmtScheme name="Office">
+      <a:fillStyleLst>
+        <a:solidFill>
+          <a:schemeClr val="phClr"/>
+        </a:solidFill>
+        <a:gradFill rotWithShape="1">
+          <a:gsLst>
+            <a:gs pos="0">
+              <a:schemeClr val="phClr">
+                <a:lumMod val="110000"/>
+                <a:satMod val="105000"/>
+                <a:tint val="67000"/>
+              </a:schemeClr>
+            </a:gs>
+            <a:gs pos="50000">
+              <a:schemeClr val="phClr">
+                <a:lumMod val="105000"/>
+                <a:satMod val="103000"/>
+                <a:tint val="73000"/>
+              </a:schemeClr>
+            </a:gs>
+            <a:gs pos="100000">
+              <a:schemeClr val="phClr">
+                <a:lumMod val="105000"/>
+                <a:satMod val="109000"/>
+                <a:tint val="81000"/>
+              </a:schemeClr>
+            </a:gs>
+          </a:gsLst>
+          <a:lin ang="5400000" scaled="0"/>
+        </a:gradFill>
+        <a:gradFill rotWithShape="1">
+          <a:gsLst>
+            <a:gs pos="0">
+              <a:schemeClr val="phClr">
+                <a:satMod val="103000"/>
+                <a:lumMod val="102000"/>
+                <a:tint val="94000"/>
+              </a:schemeClr>
+            </a:gs>
+            <a:gs pos="50000">
+              <a:schemeClr val="phClr">
+                <a:satMod val="110000"/>
+                <a:lumMod val="100000"/>
+                <a:shade val="100000"/>
+              </a:schemeClr>
+            </a:gs>
+            <a:gs pos="100000">
+              <a:schemeClr val="phClr">
+                <a:lumMod val="99000"/>
+                <a:satMod val="120000"/>
+                <a:shade val="78000"/>
+              </a:schemeClr>
+            </a:gs>
+          </a:gsLst>
+          <a:lin ang="5400000" scaled="0"/>
+        </a:gradFill>
+      </a:fillStyleLst>
+      <a:lnStyleLst>
+        <a:ln w="6350" cap="flat" cmpd="sng" algn="ctr">
+          <a:solidFill>
+            <a:schemeClr val="phClr"/>
+          </a:solidFill>
+          <a:prstDash val="solid"/>
+          <a:miter lim="800000"/>
+        </a:ln>
+        <a:ln w="12700" cap="flat" cmpd="sng" algn="ctr">
+          <a:solidFill>
+            <a:schemeClr val="phClr"/>
+          </a:solidFill>
+          <a:prstDash val="solid"/>
+          <a:miter lim="800000"/>
+        </a:ln>
+        <a:ln w="19050" cap="flat" cmpd="sng" algn="ctr">
+          <a:solidFill>
+            <a:schemeClr val="phClr"/>
+          </a:solidFill>
+          <a:prstDash val="solid"/>
+          <a:miter lim="800000"/>
+        </a:ln>
+      </a:lnStyleLst>
+      <a:effectStyleLst>
+        <a:effectStyle>
+          <a:effectLst/>
+        </a:effectStyle>
+        <a:effectStyle>
+          <a:effectLst/>
+        </a:effectStyle>
+        <a:effectStyle>
+          <a:effectLst>
+            <a:outerShdw blurRad="57150" dist="19050" dir="5400000" algn="ctr" rotWithShape="0">
+              <a:srgbClr val="000000">
+                <a:alpha val="63000"/>
+              </a:srgbClr>
+            </a:outerShdw>
+          </a:effectLst>
+        </a:effectStyle>
+      </a:effectStyleLst>
+      <a:bgFillStyleLst>
+        <a:solidFill>
+          <a:schemeClr val="phClr"/>
+        </a:solidFill>
+        <a:solidFill>
+          <a:schemeClr val="phClr">
+            <a:tint val="95000"/>
+            <a:satMod val="170000"/>
+          </a:schemeClr>
+        </a:solidFill>
+        <a:gradFill rotWithShape="1">
+          <a:gsLst>
+            <a:gs pos="0">
+              <a:schemeClr val="phClr">
+                <a:tint val="93000"/>
+                <a:satMod val="150000"/>
+                <a:shade val="98000"/>
+                <a:lumMod val="102000"/>
+              </a:schemeClr>
+            </a:gs>
+            <a:gs pos="50000">
+              <a:schemeClr val="phClr">
+                <a:tint val="98000"/>
+                <a:satMod val="130000"/>
+                <a:shade val="90000"/>
+                <a:lumMod val="103000"/>
+              </a:schemeClr>
+            </a:gs>
+            <a:gs pos="100000">
+              <a:schemeClr val="phClr">
+                <a:shade val="63000"/>
+                <a:satMod val="120000"/>
+              </a:schemeClr>
+            </a:gs>
+          </a:gsLst>
+          <a:lin ang="5400000" scaled="0"/>
+        </a:gradFill>
+      </a:bgFillStyleLst>
+    </a:fmtScheme>
+  </a:themeElements>
+  <a:objectDefaults/>
+  <a:extraClrSchemeLst/>
+  <a:extLst>
+    <a:ext uri="{05A4C25C-085E-4340-85A3-A5531E510DB2}">
+      <thm15:themeFamily xmlns:thm15="http://schemas.microsoft.com/office/thememl/2012/main" name="Office Theme" id="{62F939B6-93AF-4DB8-9C6B-D6C7DFDC589F}" vid="{4A3C46E8-61CC-4603-A589-7422A47A8E4A}"/>
+    </a:ext>
+  </a:extLst>
+</a:theme>
 </file>